--- a/Milestone_5/Documents/ece593w25_team_10_Asyn_FIFO_M5.pptx
+++ b/Milestone_5/Documents/ece593w25_team_10_Asyn_FIFO_M5.pptx
@@ -224,7 +224,7 @@
           <a:p>
             <a:fld id="{63F7D420-6701-47F1-A15D-0449448C7758}" type="datetimeFigureOut">
               <a:rPr lang="en-US" smtClean="0"/>
-              <a:t>3/4/2025</a:t>
+              <a:t>3/11/2025</a:t>
             </a:fld>
             <a:endParaRPr lang="en-US"/>
           </a:p>
@@ -3496,7 +3496,7 @@
           <a:p>
             <a:fld id="{19050268-D869-491C-9ED0-E041F9A565B7}" type="datetime1">
               <a:rPr lang="en-US" smtClean="0"/>
-              <a:t>3/4/2025</a:t>
+              <a:t>3/11/2025</a:t>
             </a:fld>
             <a:endParaRPr lang="en-US"/>
           </a:p>
@@ -3666,7 +3666,7 @@
           <a:p>
             <a:fld id="{E6A049DC-32BE-4F91-9663-1E1E0B3028C0}" type="datetime1">
               <a:rPr lang="en-US" smtClean="0"/>
-              <a:t>3/4/2025</a:t>
+              <a:t>3/11/2025</a:t>
             </a:fld>
             <a:endParaRPr lang="en-US"/>
           </a:p>
@@ -3846,7 +3846,7 @@
           <a:p>
             <a:fld id="{08D55D9B-CE84-40AD-8E84-087EC6FE32A6}" type="datetime1">
               <a:rPr lang="en-US" smtClean="0"/>
-              <a:t>3/4/2025</a:t>
+              <a:t>3/11/2025</a:t>
             </a:fld>
             <a:endParaRPr lang="en-US"/>
           </a:p>
@@ -4486,7 +4486,7 @@
           <a:p>
             <a:fld id="{F3AD1F3F-D9AD-4EC1-ADAD-674C6682030C}" type="datetime1">
               <a:rPr lang="en-US" smtClean="0"/>
-              <a:t>3/4/2025</a:t>
+              <a:t>3/11/2025</a:t>
             </a:fld>
             <a:endParaRPr lang="en-US"/>
           </a:p>
@@ -4742,7 +4742,7 @@
           <a:p>
             <a:fld id="{8EC32681-985F-4D3E-851F-B2CE5DD59AD2}" type="datetime1">
               <a:rPr lang="en-US" smtClean="0"/>
-              <a:t>3/4/2025</a:t>
+              <a:t>3/11/2025</a:t>
             </a:fld>
             <a:endParaRPr lang="en-US"/>
           </a:p>
@@ -4974,7 +4974,7 @@
           <a:p>
             <a:fld id="{3901A2D1-659E-4B98-AB97-A20848EABDF4}" type="datetime1">
               <a:rPr lang="en-US" smtClean="0"/>
-              <a:t>3/4/2025</a:t>
+              <a:t>3/11/2025</a:t>
             </a:fld>
             <a:endParaRPr lang="en-US"/>
           </a:p>
@@ -5341,7 +5341,7 @@
           <a:p>
             <a:fld id="{07F97D39-B5E8-4C50-877D-95F06E9CA593}" type="datetime1">
               <a:rPr lang="en-US" smtClean="0"/>
-              <a:t>3/4/2025</a:t>
+              <a:t>3/11/2025</a:t>
             </a:fld>
             <a:endParaRPr lang="en-US"/>
           </a:p>
@@ -5459,7 +5459,7 @@
           <a:p>
             <a:fld id="{C3ACCBEF-C8B3-4186-9FF5-A5BE287F0A2A}" type="datetime1">
               <a:rPr lang="en-US" smtClean="0"/>
-              <a:t>3/4/2025</a:t>
+              <a:t>3/11/2025</a:t>
             </a:fld>
             <a:endParaRPr lang="en-US"/>
           </a:p>
@@ -5554,7 +5554,7 @@
           <a:p>
             <a:fld id="{B68038E1-00BE-4ED5-9155-F585C0DF5972}" type="datetime1">
               <a:rPr lang="en-US" smtClean="0"/>
-              <a:t>3/4/2025</a:t>
+              <a:t>3/11/2025</a:t>
             </a:fld>
             <a:endParaRPr lang="en-US"/>
           </a:p>
@@ -5831,7 +5831,7 @@
           <a:p>
             <a:fld id="{221705B0-BEA4-4561-9B45-499BF5C784C2}" type="datetime1">
               <a:rPr lang="en-US" smtClean="0"/>
-              <a:t>3/4/2025</a:t>
+              <a:t>3/11/2025</a:t>
             </a:fld>
             <a:endParaRPr lang="en-US"/>
           </a:p>
@@ -6088,7 +6088,7 @@
           <a:p>
             <a:fld id="{AE2F76D6-2445-4903-A132-CAD6D0247801}" type="datetime1">
               <a:rPr lang="en-US" smtClean="0"/>
-              <a:t>3/4/2025</a:t>
+              <a:t>3/11/2025</a:t>
             </a:fld>
             <a:endParaRPr lang="en-US"/>
           </a:p>
@@ -6301,7 +6301,7 @@
           <a:p>
             <a:fld id="{F3AD1F3F-D9AD-4EC1-ADAD-674C6682030C}" type="datetime1">
               <a:rPr lang="en-US" smtClean="0"/>
-              <a:t>3/4/2025</a:t>
+              <a:t>3/11/2025</a:t>
             </a:fld>
             <a:endParaRPr lang="en-US"/>
           </a:p>
@@ -15186,26 +15186,7 @@
                 <a:latin typeface="Times New Roman" panose="02020603050405020304" pitchFamily="18" charset="0"/>
                 <a:cs typeface="Times New Roman" panose="02020603050405020304" pitchFamily="18" charset="0"/>
               </a:rPr>
-              <a:t>FIFO Read </a:t>
-            </a:r>
-          </a:p>
-          <a:p>
-            <a:pPr lvl="1" algn="just">
-              <a:lnSpc>
-                <a:spcPct val="100000"/>
-              </a:lnSpc>
-              <a:spcBef>
-                <a:spcPts val="0"/>
-              </a:spcBef>
-              <a:buFont typeface="Wingdings" panose="05000000000000000000" pitchFamily="2" charset="2"/>
-              <a:buChar char="Ø"/>
-            </a:pPr>
-            <a:r>
-              <a:rPr lang="en-US" sz="2000" dirty="0">
-                <a:latin typeface="Times New Roman" panose="02020603050405020304" pitchFamily="18" charset="0"/>
-                <a:cs typeface="Times New Roman" panose="02020603050405020304" pitchFamily="18" charset="0"/>
-              </a:rPr>
-              <a:t>Testbench</a:t>
+              <a:t>Flat Testbench</a:t>
             </a:r>
           </a:p>
           <a:p>
@@ -15382,7 +15363,7 @@
                 <a:latin typeface="Times New Roman" panose="02020603050405020304" pitchFamily="18" charset="0"/>
                 <a:cs typeface="Times New Roman" panose="02020603050405020304" pitchFamily="18" charset="0"/>
               </a:rPr>
-              <a:t>UVM Architecture</a:t>
+              <a:t>UVM Scoreboard</a:t>
             </a:r>
           </a:p>
           <a:p>
@@ -15408,7 +15389,7 @@
                 <a:latin typeface="Times New Roman" panose="02020603050405020304" pitchFamily="18" charset="0"/>
                 <a:cs typeface="Times New Roman" panose="02020603050405020304" pitchFamily="18" charset="0"/>
               </a:rPr>
-              <a:t>Top Module</a:t>
+              <a:t>Monitor</a:t>
             </a:r>
           </a:p>
           <a:p>
@@ -15434,7 +15415,7 @@
                 <a:latin typeface="Times New Roman" panose="02020603050405020304" pitchFamily="18" charset="0"/>
                 <a:cs typeface="Times New Roman" panose="02020603050405020304" pitchFamily="18" charset="0"/>
               </a:rPr>
-              <a:t>Test</a:t>
+              <a:t>TLM Communications</a:t>
             </a:r>
             <a:endParaRPr kumimoji="0" lang="en-US" sz="2000" b="0" i="0" u="none" strike="noStrike" kern="1200" cap="none" spc="0" normalizeH="0" baseline="0" noProof="0" dirty="0">
               <a:ln>
@@ -15925,7 +15906,7 @@
             </a:r>
           </a:p>
           <a:p>
-            <a:pPr lvl="1">
+            <a:pPr lvl="1" algn="just">
               <a:lnSpc>
                 <a:spcPct val="100000"/>
               </a:lnSpc>
@@ -15940,11 +15921,11 @@
                 <a:latin typeface="Times New Roman" panose="02020603050405020304" pitchFamily="18" charset="0"/>
                 <a:cs typeface="Times New Roman" panose="02020603050405020304" pitchFamily="18" charset="0"/>
               </a:rPr>
-              <a:t>FIFO Memory </a:t>
-            </a:r>
-          </a:p>
-          <a:p>
-            <a:pPr lvl="1">
+              <a:t>Design </a:t>
+            </a:r>
+          </a:p>
+          <a:p>
+            <a:pPr lvl="1" algn="just">
               <a:lnSpc>
                 <a:spcPct val="100000"/>
               </a:lnSpc>
@@ -15959,19 +15940,18 @@
                 <a:latin typeface="Times New Roman" panose="02020603050405020304" pitchFamily="18" charset="0"/>
                 <a:cs typeface="Times New Roman" panose="02020603050405020304" pitchFamily="18" charset="0"/>
               </a:rPr>
-              <a:t>Synchronizer</a:t>
-            </a:r>
-          </a:p>
-          <a:p>
-            <a:pPr lvl="1">
+              <a:t>FIFO Depth Calculation</a:t>
+            </a:r>
+          </a:p>
+          <a:p>
+            <a:pPr marL="457200" lvl="1" indent="0">
               <a:lnSpc>
                 <a:spcPct val="100000"/>
               </a:lnSpc>
               <a:spcBef>
                 <a:spcPts val="0"/>
               </a:spcBef>
-              <a:buFont typeface="Wingdings" panose="05000000000000000000" pitchFamily="2" charset="2"/>
-              <a:buChar char="Ø"/>
+              <a:buNone/>
             </a:pPr>
             <a:endParaRPr lang="en-US" sz="2000" dirty="0">
               <a:latin typeface="Times New Roman" panose="02020603050405020304" pitchFamily="18" charset="0"/>
@@ -16295,7 +16275,7 @@
         </p:spPr>
         <p:txBody>
           <a:bodyPr>
-            <a:normAutofit lnSpcReduction="10000"/>
+            <a:normAutofit/>
           </a:bodyPr>
           <a:lstStyle/>
           <a:p>
@@ -16538,7 +16518,7 @@
                 <a:latin typeface="Times New Roman" panose="02020603050405020304" pitchFamily="18" charset="0"/>
                 <a:cs typeface="Times New Roman" panose="02020603050405020304" pitchFamily="18" charset="0"/>
               </a:rPr>
-              <a:t>Agent</a:t>
+              <a:t>Sequence</a:t>
             </a:r>
           </a:p>
           <a:p>
@@ -16564,7 +16544,7 @@
                 <a:latin typeface="Times New Roman" panose="02020603050405020304" pitchFamily="18" charset="0"/>
                 <a:cs typeface="Times New Roman" panose="02020603050405020304" pitchFamily="18" charset="0"/>
               </a:rPr>
-              <a:t>Scoreboard</a:t>
+              <a:t>Sequencer</a:t>
             </a:r>
           </a:p>
           <a:p>
@@ -16590,29 +16570,31 @@
                 <a:latin typeface="Times New Roman" panose="02020603050405020304" pitchFamily="18" charset="0"/>
                 <a:cs typeface="Times New Roman" panose="02020603050405020304" pitchFamily="18" charset="0"/>
               </a:rPr>
-              <a:t>Transaction</a:t>
-            </a:r>
-          </a:p>
-          <a:p>
-            <a:pPr marL="742950" lvl="1" indent="-285750" defTabSz="457200">
+              <a:t>Driver</a:t>
+            </a:r>
+          </a:p>
+          <a:p>
+            <a:pPr marL="742950" marR="0" lvl="1" indent="-285750" algn="just" defTabSz="457200" rtl="0" eaLnBrk="1" fontAlgn="auto" latinLnBrk="0" hangingPunct="1">
               <a:lnSpc>
                 <a:spcPct val="100000"/>
               </a:lnSpc>
               <a:spcBef>
                 <a:spcPts val="0"/>
               </a:spcBef>
+              <a:spcAft>
+                <a:spcPts val="0"/>
+              </a:spcAft>
+              <a:buClrTx/>
               <a:buSzTx/>
               <a:buFont typeface="Wingdings" panose="05000000000000000000" pitchFamily="2" charset="2"/>
               <a:buChar char="Ø"/>
+              <a:tabLst/>
               <a:defRPr/>
             </a:pPr>
-            <a:r>
-              <a:rPr lang="en-US" sz="2000" dirty="0">
-                <a:latin typeface="Times New Roman" panose="02020603050405020304" pitchFamily="18" charset="0"/>
-                <a:cs typeface="Times New Roman" panose="02020603050405020304" pitchFamily="18" charset="0"/>
-              </a:rPr>
-              <a:t>HLDS Document</a:t>
-            </a:r>
+            <a:endParaRPr lang="en-US" sz="2000" dirty="0">
+              <a:latin typeface="Times New Roman" panose="02020603050405020304" pitchFamily="18" charset="0"/>
+              <a:cs typeface="Times New Roman" panose="02020603050405020304" pitchFamily="18" charset="0"/>
+            </a:endParaRPr>
           </a:p>
           <a:p>
             <a:pPr marL="457200" marR="0" lvl="1" indent="0" algn="just" defTabSz="457200" rtl="0" eaLnBrk="1" fontAlgn="auto" latinLnBrk="0" hangingPunct="1">
@@ -17205,7 +17187,7 @@
                 <a:latin typeface="Times New Roman" panose="02020603050405020304" pitchFamily="18" charset="0"/>
                 <a:cs typeface="Times New Roman" panose="02020603050405020304" pitchFamily="18" charset="0"/>
               </a:rPr>
-              <a:t>Coverage</a:t>
+              <a:t>Constraints and Coverage</a:t>
             </a:r>
           </a:p>
           <a:p>
@@ -17305,7 +17287,7 @@
                 <a:latin typeface="Times New Roman" panose="02020603050405020304" pitchFamily="18" charset="0"/>
                 <a:cs typeface="Times New Roman" panose="02020603050405020304" pitchFamily="18" charset="0"/>
               </a:rPr>
-              <a:t>Test cases</a:t>
+              <a:t>Verification Document</a:t>
             </a:r>
           </a:p>
           <a:p>
@@ -17326,7 +17308,7 @@
                 <a:latin typeface="Times New Roman" panose="02020603050405020304" pitchFamily="18" charset="0"/>
                 <a:cs typeface="Times New Roman" panose="02020603050405020304" pitchFamily="18" charset="0"/>
               </a:rPr>
-              <a:t>Bug Injection</a:t>
+              <a:t>Presentation Document</a:t>
             </a:r>
           </a:p>
           <a:p>
@@ -17347,7 +17329,7 @@
                 <a:latin typeface="Times New Roman" panose="02020603050405020304" pitchFamily="18" charset="0"/>
                 <a:cs typeface="Times New Roman" panose="02020603050405020304" pitchFamily="18" charset="0"/>
               </a:rPr>
-              <a:t>Verification Document</a:t>
+              <a:t>Git releases</a:t>
             </a:r>
           </a:p>
           <a:p>

--- a/Milestone_5/Documents/ece593w25_team_10_Asyn_FIFO_M5.pptx
+++ b/Milestone_5/Documents/ece593w25_team_10_Asyn_FIFO_M5.pptx
@@ -6,7 +6,7 @@
     <p:sldMasterId id="2147483672" r:id="rId2"/>
   </p:sldMasterIdLst>
   <p:notesMasterIdLst>
-    <p:notesMasterId r:id="rId30"/>
+    <p:notesMasterId r:id="rId31"/>
   </p:notesMasterIdLst>
   <p:sldIdLst>
     <p:sldId id="256" r:id="rId3"/>
@@ -29,13 +29,14 @@
     <p:sldId id="1488" r:id="rId20"/>
     <p:sldId id="1489" r:id="rId21"/>
     <p:sldId id="1490" r:id="rId22"/>
-    <p:sldId id="1469" r:id="rId23"/>
-    <p:sldId id="1492" r:id="rId24"/>
-    <p:sldId id="1494" r:id="rId25"/>
-    <p:sldId id="1493" r:id="rId26"/>
-    <p:sldId id="1468" r:id="rId27"/>
-    <p:sldId id="1482" r:id="rId28"/>
-    <p:sldId id="1483" r:id="rId29"/>
+    <p:sldId id="1497" r:id="rId23"/>
+    <p:sldId id="1469" r:id="rId24"/>
+    <p:sldId id="1492" r:id="rId25"/>
+    <p:sldId id="1494" r:id="rId26"/>
+    <p:sldId id="1493" r:id="rId27"/>
+    <p:sldId id="1468" r:id="rId28"/>
+    <p:sldId id="1482" r:id="rId29"/>
+    <p:sldId id="1483" r:id="rId30"/>
   </p:sldIdLst>
   <p:sldSz cx="9144000" cy="6858000" type="screen4x3"/>
   <p:notesSz cx="6858000" cy="9144000"/>
@@ -1828,7 +1829,7 @@
     </p:spTree>
     <p:extLst>
       <p:ext uri="{BB962C8B-B14F-4D97-AF65-F5344CB8AC3E}">
-        <p14:creationId xmlns:p14="http://schemas.microsoft.com/office/powerpoint/2010/main" val="468640301"/>
+        <p14:creationId xmlns:p14="http://schemas.microsoft.com/office/powerpoint/2010/main" val="3722562774"/>
       </p:ext>
     </p:extLst>
   </p:cSld>
@@ -1985,12 +1986,7 @@
             <p:ph type="sldImg"/>
           </p:nvPr>
         </p:nvSpPr>
-        <p:spPr>
-          <a:xfrm>
-            <a:off x="1371600" y="1143000"/>
-            <a:ext cx="4114800" cy="3086100"/>
-          </a:xfrm>
-        </p:spPr>
+        <p:spPr/>
       </p:sp>
       <p:sp>
         <p:nvSpPr>
@@ -2049,7 +2045,7 @@
     </p:spTree>
     <p:extLst>
       <p:ext uri="{BB962C8B-B14F-4D97-AF65-F5344CB8AC3E}">
-        <p14:creationId xmlns:p14="http://schemas.microsoft.com/office/powerpoint/2010/main" val="1813158708"/>
+        <p14:creationId xmlns:p14="http://schemas.microsoft.com/office/powerpoint/2010/main" val="468640301"/>
       </p:ext>
     </p:extLst>
   </p:cSld>
@@ -2162,7 +2158,7 @@
     </p:spTree>
     <p:extLst>
       <p:ext uri="{BB962C8B-B14F-4D97-AF65-F5344CB8AC3E}">
-        <p14:creationId xmlns:p14="http://schemas.microsoft.com/office/powerpoint/2010/main" val="1215748136"/>
+        <p14:creationId xmlns:p14="http://schemas.microsoft.com/office/powerpoint/2010/main" val="1813158708"/>
       </p:ext>
     </p:extLst>
   </p:cSld>
@@ -2275,7 +2271,7 @@
     </p:spTree>
     <p:extLst>
       <p:ext uri="{BB962C8B-B14F-4D97-AF65-F5344CB8AC3E}">
-        <p14:creationId xmlns:p14="http://schemas.microsoft.com/office/powerpoint/2010/main" val="2988793938"/>
+        <p14:creationId xmlns:p14="http://schemas.microsoft.com/office/powerpoint/2010/main" val="1215748136"/>
       </p:ext>
     </p:extLst>
   </p:cSld>
@@ -2324,7 +2320,12 @@
             <p:ph type="sldImg"/>
           </p:nvPr>
         </p:nvSpPr>
-        <p:spPr/>
+        <p:spPr>
+          <a:xfrm>
+            <a:off x="1371600" y="1143000"/>
+            <a:ext cx="4114800" cy="3086100"/>
+          </a:xfrm>
+        </p:spPr>
       </p:sp>
       <p:sp>
         <p:nvSpPr>
@@ -2383,7 +2384,7 @@
     </p:spTree>
     <p:extLst>
       <p:ext uri="{BB962C8B-B14F-4D97-AF65-F5344CB8AC3E}">
-        <p14:creationId xmlns:p14="http://schemas.microsoft.com/office/powerpoint/2010/main" val="3761271230"/>
+        <p14:creationId xmlns:p14="http://schemas.microsoft.com/office/powerpoint/2010/main" val="2988793938"/>
       </p:ext>
     </p:extLst>
   </p:cSld>
@@ -2491,7 +2492,7 @@
     </p:spTree>
     <p:extLst>
       <p:ext uri="{BB962C8B-B14F-4D97-AF65-F5344CB8AC3E}">
-        <p14:creationId xmlns:p14="http://schemas.microsoft.com/office/powerpoint/2010/main" val="1497768396"/>
+        <p14:creationId xmlns:p14="http://schemas.microsoft.com/office/powerpoint/2010/main" val="3761271230"/>
       </p:ext>
     </p:extLst>
   </p:cSld>
@@ -2591,6 +2592,114 @@
             <a:fld id="{0E642914-098C-4E86-82B7-D66B54995839}" type="slidenum">
               <a:rPr lang="en-US" smtClean="0"/>
               <a:t>27</a:t>
+            </a:fld>
+            <a:endParaRPr lang="en-US"/>
+          </a:p>
+        </p:txBody>
+      </p:sp>
+    </p:spTree>
+    <p:extLst>
+      <p:ext uri="{BB962C8B-B14F-4D97-AF65-F5344CB8AC3E}">
+        <p14:creationId xmlns:p14="http://schemas.microsoft.com/office/powerpoint/2010/main" val="1497768396"/>
+      </p:ext>
+    </p:extLst>
+  </p:cSld>
+  <p:clrMapOvr>
+    <a:masterClrMapping/>
+  </p:clrMapOvr>
+</p:notes>
+</file>
+
+<file path=ppt/notesSlides/notesSlide26.xml><?xml version="1.0" encoding="utf-8"?>
+<p:notes xmlns:a="http://schemas.openxmlformats.org/drawingml/2006/main" xmlns:r="http://schemas.openxmlformats.org/officeDocument/2006/relationships" xmlns:p="http://schemas.openxmlformats.org/presentationml/2006/main">
+  <p:cSld>
+    <p:spTree>
+      <p:nvGrpSpPr>
+        <p:cNvPr id="1" name="">
+          <a:extLst>
+            <a:ext uri="{FF2B5EF4-FFF2-40B4-BE49-F238E27FC236}">
+              <a16:creationId xmlns:a16="http://schemas.microsoft.com/office/drawing/2014/main" id="{F566D2C3-8D99-9D45-4A20-D27311DF7ADE}"/>
+            </a:ext>
+          </a:extLst>
+        </p:cNvPr>
+        <p:cNvGrpSpPr/>
+        <p:nvPr/>
+      </p:nvGrpSpPr>
+      <p:grpSpPr>
+        <a:xfrm>
+          <a:off x="0" y="0"/>
+          <a:ext cx="0" cy="0"/>
+          <a:chOff x="0" y="0"/>
+          <a:chExt cx="0" cy="0"/>
+        </a:xfrm>
+      </p:grpSpPr>
+      <p:sp>
+        <p:nvSpPr>
+          <p:cNvPr id="2" name="Slide Image Placeholder 1">
+            <a:extLst>
+              <a:ext uri="{FF2B5EF4-FFF2-40B4-BE49-F238E27FC236}">
+                <a16:creationId xmlns:a16="http://schemas.microsoft.com/office/drawing/2014/main" id="{2955425D-8DB6-B8BF-AF15-AD0E03BC1FF7}"/>
+              </a:ext>
+            </a:extLst>
+          </p:cNvPr>
+          <p:cNvSpPr>
+            <a:spLocks noGrp="1" noRot="1" noChangeAspect="1"/>
+          </p:cNvSpPr>
+          <p:nvPr>
+            <p:ph type="sldImg"/>
+          </p:nvPr>
+        </p:nvSpPr>
+        <p:spPr/>
+      </p:sp>
+      <p:sp>
+        <p:nvSpPr>
+          <p:cNvPr id="3" name="Notes Placeholder 2">
+            <a:extLst>
+              <a:ext uri="{FF2B5EF4-FFF2-40B4-BE49-F238E27FC236}">
+                <a16:creationId xmlns:a16="http://schemas.microsoft.com/office/drawing/2014/main" id="{2A6447EE-4B5E-51AC-1DC9-9D27836AACD0}"/>
+              </a:ext>
+            </a:extLst>
+          </p:cNvPr>
+          <p:cNvSpPr>
+            <a:spLocks noGrp="1"/>
+          </p:cNvSpPr>
+          <p:nvPr>
+            <p:ph type="body" idx="1"/>
+          </p:nvPr>
+        </p:nvSpPr>
+        <p:spPr/>
+        <p:txBody>
+          <a:bodyPr/>
+          <a:lstStyle/>
+          <a:p>
+            <a:endParaRPr lang="en-US" dirty="0"/>
+          </a:p>
+        </p:txBody>
+      </p:sp>
+      <p:sp>
+        <p:nvSpPr>
+          <p:cNvPr id="4" name="Slide Number Placeholder 3">
+            <a:extLst>
+              <a:ext uri="{FF2B5EF4-FFF2-40B4-BE49-F238E27FC236}">
+                <a16:creationId xmlns:a16="http://schemas.microsoft.com/office/drawing/2014/main" id="{BDAE01E0-2407-5E2F-D61C-66F477878675}"/>
+              </a:ext>
+            </a:extLst>
+          </p:cNvPr>
+          <p:cNvSpPr>
+            <a:spLocks noGrp="1"/>
+          </p:cNvSpPr>
+          <p:nvPr>
+            <p:ph type="sldNum" sz="quarter" idx="5"/>
+          </p:nvPr>
+        </p:nvSpPr>
+        <p:spPr/>
+        <p:txBody>
+          <a:bodyPr/>
+          <a:lstStyle/>
+          <a:p>
+            <a:fld id="{0E642914-098C-4E86-82B7-D66B54995839}" type="slidenum">
+              <a:rPr lang="en-US" smtClean="0"/>
+              <a:t>28</a:t>
             </a:fld>
             <a:endParaRPr lang="en-US"/>
           </a:p>
@@ -12691,8 +12800,8 @@
         </p:nvSpPr>
         <p:spPr>
           <a:xfrm>
-            <a:off x="451184" y="365126"/>
-            <a:ext cx="8265695" cy="687638"/>
+            <a:off x="424113" y="-40112"/>
+            <a:ext cx="8265695" cy="353406"/>
           </a:xfrm>
         </p:spPr>
         <p:txBody>
@@ -12728,7 +12837,7 @@
         </p:nvSpPr>
         <p:spPr>
           <a:xfrm>
-            <a:off x="538214" y="6179581"/>
+            <a:off x="628650" y="6580479"/>
             <a:ext cx="4672263" cy="365125"/>
           </a:xfrm>
         </p:spPr>
@@ -12811,7 +12920,7 @@
         </p:blipFill>
         <p:spPr>
           <a:xfrm>
-            <a:off x="6864016" y="6239785"/>
+            <a:off x="6836946" y="6357827"/>
             <a:ext cx="1852862" cy="505974"/>
           </a:xfrm>
           <a:prstGeom prst="rect">
@@ -12835,7 +12944,7 @@
         </p:nvCxnSpPr>
         <p:spPr>
           <a:xfrm>
-            <a:off x="454191" y="1167627"/>
+            <a:off x="424113" y="320715"/>
             <a:ext cx="8235617" cy="0"/>
           </a:xfrm>
           <a:prstGeom prst="line">
@@ -12903,45 +13012,154 @@
           </a:p>
         </p:txBody>
       </p:sp>
+      <p:sp>
+        <p:nvSpPr>
+          <p:cNvPr id="9" name="Content Placeholder 8">
+            <a:extLst>
+              <a:ext uri="{FF2B5EF4-FFF2-40B4-BE49-F238E27FC236}">
+                <a16:creationId xmlns:a16="http://schemas.microsoft.com/office/drawing/2014/main" id="{F7AA509C-340C-4CCD-A161-BD37FDFE9C1C}"/>
+              </a:ext>
+            </a:extLst>
+          </p:cNvPr>
+          <p:cNvSpPr>
+            <a:spLocks noGrp="1"/>
+          </p:cNvSpPr>
+          <p:nvPr>
+            <p:ph idx="1"/>
+          </p:nvPr>
+        </p:nvSpPr>
+        <p:spPr>
+          <a:xfrm>
+            <a:off x="628650" y="429860"/>
+            <a:ext cx="7886700" cy="5782009"/>
+          </a:xfrm>
+        </p:spPr>
+        <p:txBody>
+          <a:bodyPr/>
+          <a:lstStyle/>
+          <a:p>
+            <a:pPr marL="0" indent="0">
+              <a:buNone/>
+            </a:pPr>
+            <a:r>
+              <a:rPr lang="en-US" sz="1400" dirty="0"/>
+              <a:t>Cover Groups : FIFO, </a:t>
+            </a:r>
+            <a:r>
+              <a:rPr lang="en-US" sz="1400" dirty="0" err="1"/>
+              <a:t>half_full_empty</a:t>
+            </a:r>
+            <a:r>
+              <a:rPr lang="en-US" sz="1400" dirty="0"/>
+              <a:t>, </a:t>
+            </a:r>
+            <a:r>
+              <a:rPr lang="en-US" sz="1400" dirty="0" err="1"/>
+              <a:t>data_integrity</a:t>
+            </a:r>
+            <a:r>
+              <a:rPr lang="en-US" sz="1400" dirty="0"/>
+              <a:t>(</a:t>
+            </a:r>
+            <a:r>
+              <a:rPr lang="en-US" sz="1400" dirty="0" err="1"/>
+              <a:t>addr_range</a:t>
+            </a:r>
+            <a:r>
+              <a:rPr lang="en-US" sz="1400" dirty="0"/>
+              <a:t>), </a:t>
+            </a:r>
+            <a:r>
+              <a:rPr lang="en-US" sz="1400" dirty="0" err="1"/>
+              <a:t>data_patterns</a:t>
+            </a:r>
+            <a:r>
+              <a:rPr lang="en-US" sz="1400" dirty="0"/>
+              <a:t>, reset, </a:t>
+            </a:r>
+            <a:r>
+              <a:rPr lang="en-US" sz="1400" dirty="0" err="1"/>
+              <a:t>clks</a:t>
+            </a:r>
+            <a:r>
+              <a:rPr lang="en-US" sz="1400" dirty="0"/>
+              <a:t>, </a:t>
+            </a:r>
+            <a:r>
+              <a:rPr lang="en-US" sz="1400" dirty="0" err="1"/>
+              <a:t>etc</a:t>
+            </a:r>
+            <a:br>
+              <a:rPr lang="en-US" dirty="0"/>
+            </a:br>
+            <a:endParaRPr lang="en-US" dirty="0"/>
+          </a:p>
+        </p:txBody>
+      </p:sp>
       <p:pic>
         <p:nvPicPr>
-          <p:cNvPr id="17" name="Content Placeholder 16">
-            <a:extLst>
-              <a:ext uri="{FF2B5EF4-FFF2-40B4-BE49-F238E27FC236}">
-                <a16:creationId xmlns:a16="http://schemas.microsoft.com/office/drawing/2014/main" id="{824BDBA3-F031-47B9-AD59-F1874FA00902}"/>
+          <p:cNvPr id="11" name="Picture 10">
+            <a:extLst>
+              <a:ext uri="{FF2B5EF4-FFF2-40B4-BE49-F238E27FC236}">
+                <a16:creationId xmlns:a16="http://schemas.microsoft.com/office/drawing/2014/main" id="{39659A38-7CAC-4EAA-883C-2387A7B537AF}"/>
               </a:ext>
             </a:extLst>
           </p:cNvPr>
           <p:cNvPicPr>
-            <a:picLocks noGrp="1" noChangeAspect="1"/>
+            <a:picLocks noChangeAspect="1"/>
           </p:cNvPicPr>
-          <p:nvPr>
-            <p:ph idx="1"/>
-          </p:nvPr>
+          <p:nvPr/>
         </p:nvPicPr>
         <p:blipFill>
-          <a:blip r:embed="rId4">
-            <a:extLst>
-              <a:ext uri="{28A0092B-C50C-407E-A947-70E740481C1C}">
-                <a14:useLocalDpi xmlns:a14="http://schemas.microsoft.com/office/drawing/2010/main" val="0"/>
-              </a:ext>
-            </a:extLst>
-          </a:blip>
+          <a:blip r:embed="rId4"/>
           <a:stretch>
             <a:fillRect/>
           </a:stretch>
         </p:blipFill>
         <p:spPr>
           <a:xfrm>
-            <a:off x="476250" y="1380042"/>
-            <a:ext cx="8213558" cy="4391492"/>
-          </a:xfrm>
+            <a:off x="667637" y="747000"/>
+            <a:ext cx="3412750" cy="5805236"/>
+          </a:xfrm>
+          <a:prstGeom prst="rect">
+            <a:avLst/>
+          </a:prstGeom>
+        </p:spPr>
+      </p:pic>
+      <p:pic>
+        <p:nvPicPr>
+          <p:cNvPr id="13" name="Picture 12">
+            <a:extLst>
+              <a:ext uri="{FF2B5EF4-FFF2-40B4-BE49-F238E27FC236}">
+                <a16:creationId xmlns:a16="http://schemas.microsoft.com/office/drawing/2014/main" id="{B3BEAF31-E372-4559-A837-438D9A31EFEF}"/>
+              </a:ext>
+            </a:extLst>
+          </p:cNvPr>
+          <p:cNvPicPr>
+            <a:picLocks noChangeAspect="1"/>
+          </p:cNvPicPr>
+          <p:nvPr/>
+        </p:nvPicPr>
+        <p:blipFill>
+          <a:blip r:embed="rId5"/>
+          <a:stretch>
+            <a:fillRect/>
+          </a:stretch>
+        </p:blipFill>
+        <p:spPr>
+          <a:xfrm>
+            <a:off x="4390103" y="684042"/>
+            <a:ext cx="4467849" cy="5805235"/>
+          </a:xfrm>
+          <a:prstGeom prst="rect">
+            <a:avLst/>
+          </a:prstGeom>
         </p:spPr>
       </p:pic>
     </p:spTree>
     <p:extLst>
       <p:ext uri="{BB962C8B-B14F-4D97-AF65-F5344CB8AC3E}">
-        <p14:creationId xmlns:p14="http://schemas.microsoft.com/office/powerpoint/2010/main" val="3465359854"/>
+        <p14:creationId xmlns:p14="http://schemas.microsoft.com/office/powerpoint/2010/main" val="679199220"/>
       </p:ext>
     </p:extLst>
   </p:cSld>
@@ -12992,6 +13210,307 @@
         </p:nvSpPr>
         <p:spPr>
           <a:xfrm>
+            <a:off x="451184" y="365126"/>
+            <a:ext cx="8265695" cy="687638"/>
+          </a:xfrm>
+        </p:spPr>
+        <p:txBody>
+          <a:bodyPr>
+            <a:noAutofit/>
+          </a:bodyPr>
+          <a:lstStyle/>
+          <a:p>
+            <a:r>
+              <a:rPr lang="en-US" sz="3200" b="1" dirty="0">
+                <a:latin typeface="Tenorite" panose="00000500000000000000" pitchFamily="2" charset="0"/>
+              </a:rPr>
+              <a:t>Coverage </a:t>
+            </a:r>
+          </a:p>
+        </p:txBody>
+      </p:sp>
+      <p:sp>
+        <p:nvSpPr>
+          <p:cNvPr id="4" name="Footer Placeholder 3">
+            <a:extLst>
+              <a:ext uri="{FF2B5EF4-FFF2-40B4-BE49-F238E27FC236}">
+                <a16:creationId xmlns:a16="http://schemas.microsoft.com/office/drawing/2014/main" id="{72D35E9E-9A1C-108C-7875-9B404F6C2BAA}"/>
+              </a:ext>
+            </a:extLst>
+          </p:cNvPr>
+          <p:cNvSpPr>
+            <a:spLocks noGrp="1"/>
+          </p:cNvSpPr>
+          <p:nvPr>
+            <p:ph type="ftr" sz="quarter" idx="11"/>
+          </p:nvPr>
+        </p:nvSpPr>
+        <p:spPr>
+          <a:xfrm>
+            <a:off x="538214" y="6179581"/>
+            <a:ext cx="4672263" cy="365125"/>
+          </a:xfrm>
+        </p:spPr>
+        <p:txBody>
+          <a:bodyPr/>
+          <a:lstStyle/>
+          <a:p>
+            <a:pPr algn="l"/>
+            <a:r>
+              <a:rPr lang="en-US" b="1" dirty="0">
+                <a:latin typeface="Tenorite" panose="00000500000000000000" pitchFamily="2" charset="0"/>
+              </a:rPr>
+              <a:t>ECE-593: Fundamentals of Pre-Silicon Validation: </a:t>
+            </a:r>
+            <a:r>
+              <a:rPr lang="en-US" b="1" dirty="0">
+                <a:solidFill>
+                  <a:schemeClr val="tx1"/>
+                </a:solidFill>
+                <a:latin typeface="Tenorite" panose="00000500000000000000" pitchFamily="2" charset="0"/>
+              </a:rPr>
+              <a:t>&lt;TEAM10&gt;</a:t>
+            </a:r>
+          </a:p>
+        </p:txBody>
+      </p:sp>
+      <p:sp>
+        <p:nvSpPr>
+          <p:cNvPr id="5" name="Slide Number Placeholder 4">
+            <a:extLst>
+              <a:ext uri="{FF2B5EF4-FFF2-40B4-BE49-F238E27FC236}">
+                <a16:creationId xmlns:a16="http://schemas.microsoft.com/office/drawing/2014/main" id="{A63C87A4-5981-4741-1286-A7CE16546DB9}"/>
+              </a:ext>
+            </a:extLst>
+          </p:cNvPr>
+          <p:cNvSpPr>
+            <a:spLocks noGrp="1"/>
+          </p:cNvSpPr>
+          <p:nvPr>
+            <p:ph type="sldNum" sz="quarter" idx="12"/>
+          </p:nvPr>
+        </p:nvSpPr>
+        <p:spPr>
+          <a:xfrm>
+            <a:off x="6457950" y="6356351"/>
+            <a:ext cx="2057400" cy="365125"/>
+          </a:xfrm>
+        </p:spPr>
+        <p:txBody>
+          <a:bodyPr/>
+          <a:lstStyle/>
+          <a:p>
+            <a:fld id="{3AB4F8F5-7E28-4CCD-B37C-16288F737BD7}" type="slidenum">
+              <a:rPr lang="en-US" smtClean="0"/>
+              <a:t>22</a:t>
+            </a:fld>
+            <a:endParaRPr lang="en-US"/>
+          </a:p>
+        </p:txBody>
+      </p:sp>
+      <p:pic>
+        <p:nvPicPr>
+          <p:cNvPr id="6" name="Picture 5">
+            <a:extLst>
+              <a:ext uri="{FF2B5EF4-FFF2-40B4-BE49-F238E27FC236}">
+                <a16:creationId xmlns:a16="http://schemas.microsoft.com/office/drawing/2014/main" id="{A0E36807-25F4-37B4-0114-2AD5E20D8197}"/>
+              </a:ext>
+            </a:extLst>
+          </p:cNvPr>
+          <p:cNvPicPr>
+            <a:picLocks noChangeAspect="1"/>
+          </p:cNvPicPr>
+          <p:nvPr/>
+        </p:nvPicPr>
+        <p:blipFill>
+          <a:blip r:embed="rId3"/>
+          <a:stretch>
+            <a:fillRect/>
+          </a:stretch>
+        </p:blipFill>
+        <p:spPr>
+          <a:xfrm>
+            <a:off x="6864016" y="6239785"/>
+            <a:ext cx="1852862" cy="505974"/>
+          </a:xfrm>
+          <a:prstGeom prst="rect">
+            <a:avLst/>
+          </a:prstGeom>
+        </p:spPr>
+      </p:pic>
+      <p:cxnSp>
+        <p:nvCxnSpPr>
+          <p:cNvPr id="7" name="Straight Connector 6">
+            <a:extLst>
+              <a:ext uri="{FF2B5EF4-FFF2-40B4-BE49-F238E27FC236}">
+                <a16:creationId xmlns:a16="http://schemas.microsoft.com/office/drawing/2014/main" id="{6814EC41-B600-0F1B-1139-329B5949D231}"/>
+              </a:ext>
+            </a:extLst>
+          </p:cNvPr>
+          <p:cNvCxnSpPr>
+            <a:cxnSpLocks/>
+          </p:cNvCxnSpPr>
+          <p:nvPr/>
+        </p:nvCxnSpPr>
+        <p:spPr>
+          <a:xfrm>
+            <a:off x="454191" y="1167627"/>
+            <a:ext cx="8235617" cy="0"/>
+          </a:xfrm>
+          <a:prstGeom prst="line">
+            <a:avLst/>
+          </a:prstGeom>
+          <a:ln w="38100"/>
+        </p:spPr>
+        <p:style>
+          <a:lnRef idx="1">
+            <a:schemeClr val="accent1"/>
+          </a:lnRef>
+          <a:fillRef idx="0">
+            <a:schemeClr val="accent1"/>
+          </a:fillRef>
+          <a:effectRef idx="0">
+            <a:schemeClr val="accent1"/>
+          </a:effectRef>
+          <a:fontRef idx="minor">
+            <a:schemeClr val="tx1"/>
+          </a:fontRef>
+        </p:style>
+      </p:cxnSp>
+      <p:sp>
+        <p:nvSpPr>
+          <p:cNvPr id="3" name="AutoShape 2">
+            <a:extLst>
+              <a:ext uri="{FF2B5EF4-FFF2-40B4-BE49-F238E27FC236}">
+                <a16:creationId xmlns:a16="http://schemas.microsoft.com/office/drawing/2014/main" id="{DAA7E30B-3596-2A8D-08B7-48794A8144F5}"/>
+              </a:ext>
+            </a:extLst>
+          </p:cNvPr>
+          <p:cNvSpPr>
+            <a:spLocks noChangeAspect="1" noChangeArrowheads="1"/>
+          </p:cNvSpPr>
+          <p:nvPr/>
+        </p:nvSpPr>
+        <p:spPr bwMode="auto">
+          <a:xfrm>
+            <a:off x="4419600" y="3276600"/>
+            <a:ext cx="304800" cy="304800"/>
+          </a:xfrm>
+          <a:prstGeom prst="rect">
+            <a:avLst/>
+          </a:prstGeom>
+          <a:noFill/>
+          <a:extLst>
+            <a:ext uri="{909E8E84-426E-40DD-AFC4-6F175D3DCCD1}">
+              <a14:hiddenFill xmlns:a14="http://schemas.microsoft.com/office/drawing/2010/main">
+                <a:solidFill>
+                  <a:srgbClr val="FFFFFF"/>
+                </a:solidFill>
+              </a14:hiddenFill>
+            </a:ext>
+          </a:extLst>
+        </p:spPr>
+        <p:txBody>
+          <a:bodyPr vert="horz" wrap="square" lIns="91440" tIns="45720" rIns="91440" bIns="45720" numCol="1" anchor="t" anchorCtr="0" compatLnSpc="1">
+            <a:prstTxWarp prst="textNoShape">
+              <a:avLst/>
+            </a:prstTxWarp>
+          </a:bodyPr>
+          <a:lstStyle/>
+          <a:p>
+            <a:endParaRPr lang="en-IN"/>
+          </a:p>
+        </p:txBody>
+      </p:sp>
+      <p:pic>
+        <p:nvPicPr>
+          <p:cNvPr id="17" name="Content Placeholder 16">
+            <a:extLst>
+              <a:ext uri="{FF2B5EF4-FFF2-40B4-BE49-F238E27FC236}">
+                <a16:creationId xmlns:a16="http://schemas.microsoft.com/office/drawing/2014/main" id="{824BDBA3-F031-47B9-AD59-F1874FA00902}"/>
+              </a:ext>
+            </a:extLst>
+          </p:cNvPr>
+          <p:cNvPicPr>
+            <a:picLocks noGrp="1" noChangeAspect="1"/>
+          </p:cNvPicPr>
+          <p:nvPr>
+            <p:ph idx="1"/>
+          </p:nvPr>
+        </p:nvPicPr>
+        <p:blipFill>
+          <a:blip r:embed="rId4">
+            <a:extLst>
+              <a:ext uri="{28A0092B-C50C-407E-A947-70E740481C1C}">
+                <a14:useLocalDpi xmlns:a14="http://schemas.microsoft.com/office/drawing/2010/main" val="0"/>
+              </a:ext>
+            </a:extLst>
+          </a:blip>
+          <a:stretch>
+            <a:fillRect/>
+          </a:stretch>
+        </p:blipFill>
+        <p:spPr>
+          <a:xfrm>
+            <a:off x="476250" y="1380042"/>
+            <a:ext cx="8213558" cy="4391492"/>
+          </a:xfrm>
+        </p:spPr>
+      </p:pic>
+    </p:spTree>
+    <p:extLst>
+      <p:ext uri="{BB962C8B-B14F-4D97-AF65-F5344CB8AC3E}">
+        <p14:creationId xmlns:p14="http://schemas.microsoft.com/office/powerpoint/2010/main" val="3465359854"/>
+      </p:ext>
+    </p:extLst>
+  </p:cSld>
+  <p:clrMapOvr>
+    <a:masterClrMapping/>
+  </p:clrMapOvr>
+</p:sld>
+</file>
+
+<file path=ppt/slides/slide23.xml><?xml version="1.0" encoding="utf-8"?>
+<p:sld xmlns:a="http://schemas.openxmlformats.org/drawingml/2006/main" xmlns:r="http://schemas.openxmlformats.org/officeDocument/2006/relationships" xmlns:p="http://schemas.openxmlformats.org/presentationml/2006/main">
+  <p:cSld>
+    <p:spTree>
+      <p:nvGrpSpPr>
+        <p:cNvPr id="1" name="">
+          <a:extLst>
+            <a:ext uri="{FF2B5EF4-FFF2-40B4-BE49-F238E27FC236}">
+              <a16:creationId xmlns:a16="http://schemas.microsoft.com/office/drawing/2014/main" id="{BC52378F-273F-F668-B929-96A5AE2E0D0D}"/>
+            </a:ext>
+          </a:extLst>
+        </p:cNvPr>
+        <p:cNvGrpSpPr/>
+        <p:nvPr/>
+      </p:nvGrpSpPr>
+      <p:grpSpPr>
+        <a:xfrm>
+          <a:off x="0" y="0"/>
+          <a:ext cx="0" cy="0"/>
+          <a:chOff x="0" y="0"/>
+          <a:chExt cx="0" cy="0"/>
+        </a:xfrm>
+      </p:grpSpPr>
+      <p:sp>
+        <p:nvSpPr>
+          <p:cNvPr id="2" name="Title 1">
+            <a:extLst>
+              <a:ext uri="{FF2B5EF4-FFF2-40B4-BE49-F238E27FC236}">
+                <a16:creationId xmlns:a16="http://schemas.microsoft.com/office/drawing/2014/main" id="{52AD9B88-90EF-EEFA-3452-735746A4B166}"/>
+              </a:ext>
+            </a:extLst>
+          </p:cNvPr>
+          <p:cNvSpPr>
+            <a:spLocks noGrp="1"/>
+          </p:cNvSpPr>
+          <p:nvPr>
+            <p:ph type="title"/>
+          </p:nvPr>
+        </p:nvSpPr>
+        <p:spPr>
+          <a:xfrm>
             <a:off x="451186" y="365126"/>
             <a:ext cx="8265695" cy="687638"/>
           </a:xfrm>
@@ -13084,7 +13603,7 @@
           <a:p>
             <a:fld id="{3AB4F8F5-7E28-4CCD-B37C-16288F737BD7}" type="slidenum">
               <a:rPr lang="en-US" smtClean="0"/>
-              <a:t>22</a:t>
+              <a:t>23</a:t>
             </a:fld>
             <a:endParaRPr lang="en-US"/>
           </a:p>
@@ -13288,257 +13807,6 @@
 </p:sld>
 </file>
 
-<file path=ppt/slides/slide23.xml><?xml version="1.0" encoding="utf-8"?>
-<p:sld xmlns:a="http://schemas.openxmlformats.org/drawingml/2006/main" xmlns:r="http://schemas.openxmlformats.org/officeDocument/2006/relationships" xmlns:p="http://schemas.openxmlformats.org/presentationml/2006/main">
-  <p:cSld>
-    <p:spTree>
-      <p:nvGrpSpPr>
-        <p:cNvPr id="1" name="">
-          <a:extLst>
-            <a:ext uri="{FF2B5EF4-FFF2-40B4-BE49-F238E27FC236}">
-              <a16:creationId xmlns:a16="http://schemas.microsoft.com/office/drawing/2014/main" id="{BC52378F-273F-F668-B929-96A5AE2E0D0D}"/>
-            </a:ext>
-          </a:extLst>
-        </p:cNvPr>
-        <p:cNvGrpSpPr/>
-        <p:nvPr/>
-      </p:nvGrpSpPr>
-      <p:grpSpPr>
-        <a:xfrm>
-          <a:off x="0" y="0"/>
-          <a:ext cx="0" cy="0"/>
-          <a:chOff x="0" y="0"/>
-          <a:chExt cx="0" cy="0"/>
-        </a:xfrm>
-      </p:grpSpPr>
-      <p:sp>
-        <p:nvSpPr>
-          <p:cNvPr id="2" name="Title 1">
-            <a:extLst>
-              <a:ext uri="{FF2B5EF4-FFF2-40B4-BE49-F238E27FC236}">
-                <a16:creationId xmlns:a16="http://schemas.microsoft.com/office/drawing/2014/main" id="{52AD9B88-90EF-EEFA-3452-735746A4B166}"/>
-              </a:ext>
-            </a:extLst>
-          </p:cNvPr>
-          <p:cNvSpPr>
-            <a:spLocks noGrp="1"/>
-          </p:cNvSpPr>
-          <p:nvPr>
-            <p:ph type="title"/>
-          </p:nvPr>
-        </p:nvSpPr>
-        <p:spPr>
-          <a:xfrm>
-            <a:off x="454193" y="0"/>
-            <a:ext cx="8265695" cy="422786"/>
-          </a:xfrm>
-        </p:spPr>
-        <p:txBody>
-          <a:bodyPr>
-            <a:noAutofit/>
-          </a:bodyPr>
-          <a:lstStyle/>
-          <a:p>
-            <a:r>
-              <a:rPr lang="en-US" sz="3200" b="1" dirty="0">
-                <a:latin typeface="Tenorite" panose="00000500000000000000" pitchFamily="2" charset="0"/>
-              </a:rPr>
-              <a:t>UVM Simulation Results</a:t>
-            </a:r>
-          </a:p>
-        </p:txBody>
-      </p:sp>
-      <p:sp>
-        <p:nvSpPr>
-          <p:cNvPr id="4" name="Footer Placeholder 3">
-            <a:extLst>
-              <a:ext uri="{FF2B5EF4-FFF2-40B4-BE49-F238E27FC236}">
-                <a16:creationId xmlns:a16="http://schemas.microsoft.com/office/drawing/2014/main" id="{72D35E9E-9A1C-108C-7875-9B404F6C2BAA}"/>
-              </a:ext>
-            </a:extLst>
-          </p:cNvPr>
-          <p:cNvSpPr>
-            <a:spLocks noGrp="1"/>
-          </p:cNvSpPr>
-          <p:nvPr>
-            <p:ph type="ftr" sz="quarter" idx="11"/>
-          </p:nvPr>
-        </p:nvSpPr>
-        <p:spPr>
-          <a:xfrm>
-            <a:off x="628650" y="6538915"/>
-            <a:ext cx="4672263" cy="365125"/>
-          </a:xfrm>
-        </p:spPr>
-        <p:txBody>
-          <a:bodyPr/>
-          <a:lstStyle/>
-          <a:p>
-            <a:pPr algn="l"/>
-            <a:r>
-              <a:rPr lang="en-US" b="1" dirty="0">
-                <a:latin typeface="Tenorite" panose="00000500000000000000" pitchFamily="2" charset="0"/>
-              </a:rPr>
-              <a:t>ECE-593: Fundamentals of Pre-Silicon Validation: </a:t>
-            </a:r>
-            <a:r>
-              <a:rPr lang="en-US" b="1" dirty="0">
-                <a:solidFill>
-                  <a:schemeClr val="tx1"/>
-                </a:solidFill>
-                <a:latin typeface="Tenorite" panose="00000500000000000000" pitchFamily="2" charset="0"/>
-              </a:rPr>
-              <a:t>TEAM-10</a:t>
-            </a:r>
-          </a:p>
-        </p:txBody>
-      </p:sp>
-      <p:sp>
-        <p:nvSpPr>
-          <p:cNvPr id="5" name="Slide Number Placeholder 4">
-            <a:extLst>
-              <a:ext uri="{FF2B5EF4-FFF2-40B4-BE49-F238E27FC236}">
-                <a16:creationId xmlns:a16="http://schemas.microsoft.com/office/drawing/2014/main" id="{A63C87A4-5981-4741-1286-A7CE16546DB9}"/>
-              </a:ext>
-            </a:extLst>
-          </p:cNvPr>
-          <p:cNvSpPr>
-            <a:spLocks noGrp="1"/>
-          </p:cNvSpPr>
-          <p:nvPr>
-            <p:ph type="sldNum" sz="quarter" idx="12"/>
-          </p:nvPr>
-        </p:nvSpPr>
-        <p:spPr>
-          <a:xfrm>
-            <a:off x="6457950" y="6356353"/>
-            <a:ext cx="2057400" cy="365125"/>
-          </a:xfrm>
-        </p:spPr>
-        <p:txBody>
-          <a:bodyPr/>
-          <a:lstStyle/>
-          <a:p>
-            <a:fld id="{3AB4F8F5-7E28-4CCD-B37C-16288F737BD7}" type="slidenum">
-              <a:rPr lang="en-US" smtClean="0"/>
-              <a:t>23</a:t>
-            </a:fld>
-            <a:endParaRPr lang="en-US"/>
-          </a:p>
-        </p:txBody>
-      </p:sp>
-      <p:pic>
-        <p:nvPicPr>
-          <p:cNvPr id="6" name="Picture 5">
-            <a:extLst>
-              <a:ext uri="{FF2B5EF4-FFF2-40B4-BE49-F238E27FC236}">
-                <a16:creationId xmlns:a16="http://schemas.microsoft.com/office/drawing/2014/main" id="{A0E36807-25F4-37B4-0114-2AD5E20D8197}"/>
-              </a:ext>
-            </a:extLst>
-          </p:cNvPr>
-          <p:cNvPicPr>
-            <a:picLocks noChangeAspect="1"/>
-          </p:cNvPicPr>
-          <p:nvPr/>
-        </p:nvPicPr>
-        <p:blipFill>
-          <a:blip r:embed="rId3"/>
-          <a:stretch>
-            <a:fillRect/>
-          </a:stretch>
-        </p:blipFill>
-        <p:spPr>
-          <a:xfrm>
-            <a:off x="6942674" y="6331773"/>
-            <a:ext cx="1852862" cy="505974"/>
-          </a:xfrm>
-          <a:prstGeom prst="rect">
-            <a:avLst/>
-          </a:prstGeom>
-        </p:spPr>
-      </p:pic>
-      <p:cxnSp>
-        <p:nvCxnSpPr>
-          <p:cNvPr id="7" name="Straight Connector 6">
-            <a:extLst>
-              <a:ext uri="{FF2B5EF4-FFF2-40B4-BE49-F238E27FC236}">
-                <a16:creationId xmlns:a16="http://schemas.microsoft.com/office/drawing/2014/main" id="{6814EC41-B600-0F1B-1139-329B5949D231}"/>
-              </a:ext>
-            </a:extLst>
-          </p:cNvPr>
-          <p:cNvCxnSpPr>
-            <a:cxnSpLocks/>
-          </p:cNvCxnSpPr>
-          <p:nvPr/>
-        </p:nvCxnSpPr>
-        <p:spPr>
-          <a:xfrm>
-            <a:off x="424112" y="422786"/>
-            <a:ext cx="8235617" cy="0"/>
-          </a:xfrm>
-          <a:prstGeom prst="line">
-            <a:avLst/>
-          </a:prstGeom>
-          <a:ln w="38100"/>
-        </p:spPr>
-        <p:style>
-          <a:lnRef idx="1">
-            <a:schemeClr val="accent1"/>
-          </a:lnRef>
-          <a:fillRef idx="0">
-            <a:schemeClr val="accent1"/>
-          </a:fillRef>
-          <a:effectRef idx="0">
-            <a:schemeClr val="accent1"/>
-          </a:effectRef>
-          <a:fontRef idx="minor">
-            <a:schemeClr val="tx1"/>
-          </a:fontRef>
-        </p:style>
-      </p:cxnSp>
-      <p:pic>
-        <p:nvPicPr>
-          <p:cNvPr id="8" name="Picture 7">
-            <a:extLst>
-              <a:ext uri="{FF2B5EF4-FFF2-40B4-BE49-F238E27FC236}">
-                <a16:creationId xmlns:a16="http://schemas.microsoft.com/office/drawing/2014/main" id="{0AD976FD-14EA-483D-9759-742B9ED86F9B}"/>
-              </a:ext>
-            </a:extLst>
-          </p:cNvPr>
-          <p:cNvPicPr>
-            <a:picLocks noChangeAspect="1"/>
-          </p:cNvPicPr>
-          <p:nvPr/>
-        </p:nvPicPr>
-        <p:blipFill>
-          <a:blip r:embed="rId4"/>
-          <a:stretch>
-            <a:fillRect/>
-          </a:stretch>
-        </p:blipFill>
-        <p:spPr>
-          <a:xfrm>
-            <a:off x="1086655" y="422786"/>
-            <a:ext cx="6970690" cy="6012428"/>
-          </a:xfrm>
-          <a:prstGeom prst="rect">
-            <a:avLst/>
-          </a:prstGeom>
-        </p:spPr>
-      </p:pic>
-    </p:spTree>
-    <p:extLst>
-      <p:ext uri="{BB962C8B-B14F-4D97-AF65-F5344CB8AC3E}">
-        <p14:creationId xmlns:p14="http://schemas.microsoft.com/office/powerpoint/2010/main" val="3683852613"/>
-      </p:ext>
-    </p:extLst>
-  </p:cSld>
-  <p:clrMapOvr>
-    <a:masterClrMapping/>
-  </p:clrMapOvr>
-</p:sld>
-</file>
-
 <file path=ppt/slides/slide24.xml><?xml version="1.0" encoding="utf-8"?>
 <p:sld xmlns:a="http://schemas.openxmlformats.org/drawingml/2006/main" xmlns:r="http://schemas.openxmlformats.org/officeDocument/2006/relationships" xmlns:p="http://schemas.openxmlformats.org/presentationml/2006/main">
   <p:cSld>
@@ -13580,8 +13848,8 @@
         </p:nvSpPr>
         <p:spPr>
           <a:xfrm>
-            <a:off x="628650" y="-78654"/>
-            <a:ext cx="7886700" cy="816073"/>
+            <a:off x="454193" y="0"/>
+            <a:ext cx="8265695" cy="422786"/>
           </a:xfrm>
         </p:spPr>
         <p:txBody>
@@ -13594,122 +13862,33 @@
               <a:rPr lang="en-US" sz="3200" b="1" dirty="0">
                 <a:latin typeface="Tenorite" panose="00000500000000000000" pitchFamily="2" charset="0"/>
               </a:rPr>
-              <a:t>Challenges faced</a:t>
-            </a:r>
-          </a:p>
-        </p:txBody>
-      </p:sp>
-      <p:sp>
-        <p:nvSpPr>
-          <p:cNvPr id="11" name="Content Placeholder 10">
-            <a:extLst>
-              <a:ext uri="{FF2B5EF4-FFF2-40B4-BE49-F238E27FC236}">
-                <a16:creationId xmlns:a16="http://schemas.microsoft.com/office/drawing/2014/main" id="{B88175F2-E12C-4568-951D-3E022BD29EBC}"/>
-              </a:ext>
-            </a:extLst>
-          </p:cNvPr>
-          <p:cNvSpPr>
-            <a:spLocks noGrp="1"/>
-          </p:cNvSpPr>
-          <p:nvPr>
-            <p:ph idx="1"/>
+              <a:t>UVM Simulation Results</a:t>
+            </a:r>
+          </a:p>
+        </p:txBody>
+      </p:sp>
+      <p:sp>
+        <p:nvSpPr>
+          <p:cNvPr id="4" name="Footer Placeholder 3">
+            <a:extLst>
+              <a:ext uri="{FF2B5EF4-FFF2-40B4-BE49-F238E27FC236}">
+                <a16:creationId xmlns:a16="http://schemas.microsoft.com/office/drawing/2014/main" id="{72D35E9E-9A1C-108C-7875-9B404F6C2BAA}"/>
+              </a:ext>
+            </a:extLst>
+          </p:cNvPr>
+          <p:cNvSpPr>
+            <a:spLocks noGrp="1"/>
+          </p:cNvSpPr>
+          <p:nvPr>
+            <p:ph type="ftr" sz="quarter" idx="11"/>
           </p:nvPr>
         </p:nvSpPr>
         <p:spPr>
           <a:xfrm>
-            <a:off x="628650" y="1091381"/>
-            <a:ext cx="7886700" cy="5120488"/>
-          </a:xfrm>
-        </p:spPr>
-        <p:txBody>
-          <a:bodyPr>
-            <a:normAutofit fontScale="77500" lnSpcReduction="20000"/>
-          </a:bodyPr>
-          <a:lstStyle/>
-          <a:p>
-            <a:pPr>
-              <a:buFont typeface="Arial" panose="020B0604020202020204" pitchFamily="34" charset="0"/>
-              <a:buChar char="•"/>
-            </a:pPr>
-            <a:r>
-              <a:rPr lang="en-US" dirty="0">
-                <a:latin typeface="Times New Roman" panose="02020603050405020304" pitchFamily="18" charset="0"/>
-                <a:cs typeface="Times New Roman" panose="02020603050405020304" pitchFamily="18" charset="0"/>
-              </a:rPr>
-              <a:t>During our initial test run, we quickly identified an issue. The `</a:t>
-            </a:r>
-            <a:r>
-              <a:rPr lang="en-US" dirty="0" err="1">
-                <a:latin typeface="Times New Roman" panose="02020603050405020304" pitchFamily="18" charset="0"/>
-                <a:cs typeface="Times New Roman" panose="02020603050405020304" pitchFamily="18" charset="0"/>
-              </a:rPr>
-              <a:t>data_out</a:t>
-            </a:r>
-            <a:r>
-              <a:rPr lang="en-US" dirty="0">
-                <a:latin typeface="Times New Roman" panose="02020603050405020304" pitchFamily="18" charset="0"/>
-                <a:cs typeface="Times New Roman" panose="02020603050405020304" pitchFamily="18" charset="0"/>
-              </a:rPr>
-              <a:t>` value was incorrectly received as 'x' due to a faulty connection during setup, leading to unexpected behavior. It was frustrating to see the read address increment values completely misaligned.  </a:t>
-            </a:r>
-          </a:p>
-          <a:p>
-            <a:endParaRPr lang="en-US" dirty="0">
-              <a:latin typeface="Times New Roman" panose="02020603050405020304" pitchFamily="18" charset="0"/>
-              <a:cs typeface="Times New Roman" panose="02020603050405020304" pitchFamily="18" charset="0"/>
-            </a:endParaRPr>
-          </a:p>
-          <a:p>
-            <a:pPr>
-              <a:buFont typeface="Arial" panose="020B0604020202020204" pitchFamily="34" charset="0"/>
-              <a:buChar char="•"/>
-            </a:pPr>
-            <a:r>
-              <a:rPr lang="en-US" dirty="0">
-                <a:latin typeface="Times New Roman" panose="02020603050405020304" pitchFamily="18" charset="0"/>
-                <a:cs typeface="Times New Roman" panose="02020603050405020304" pitchFamily="18" charset="0"/>
-              </a:rPr>
-              <a:t>After completing the read and write transfers, we anticipated the correct assertion of full and empty signals, but they failed to appear. Each read transfer was supposed to extract the latest data from the monitor and driver, yet the system remained unresponsive, seemingly stuck without updating properly.  </a:t>
-            </a:r>
-          </a:p>
-          <a:p>
-            <a:endParaRPr lang="en-US" dirty="0">
-              <a:latin typeface="Times New Roman" panose="02020603050405020304" pitchFamily="18" charset="0"/>
-              <a:cs typeface="Times New Roman" panose="02020603050405020304" pitchFamily="18" charset="0"/>
-            </a:endParaRPr>
-          </a:p>
-          <a:p>
-            <a:pPr>
-              <a:buFont typeface="Arial" panose="020B0604020202020204" pitchFamily="34" charset="0"/>
-              <a:buChar char="•"/>
-            </a:pPr>
-            <a:r>
-              <a:rPr lang="en-US" dirty="0">
-                <a:latin typeface="Times New Roman" panose="02020603050405020304" pitchFamily="18" charset="0"/>
-                <a:cs typeface="Times New Roman" panose="02020603050405020304" pitchFamily="18" charset="0"/>
-              </a:rPr>
-              <a:t>A significant problem was the lack of an error detection and correction mechanism, making it impossible to verify the asynchronous FIFO accurately. Additionally, race conditions between the write and read pointers caused instability and confusion. The most frustrating part was the system's failure to revert to a previously functional state, leaving us with a broken setup and no immediate resolution.</a:t>
-            </a:r>
-          </a:p>
-        </p:txBody>
-      </p:sp>
-      <p:sp>
-        <p:nvSpPr>
-          <p:cNvPr id="4" name="Footer Placeholder 3">
-            <a:extLst>
-              <a:ext uri="{FF2B5EF4-FFF2-40B4-BE49-F238E27FC236}">
-                <a16:creationId xmlns:a16="http://schemas.microsoft.com/office/drawing/2014/main" id="{72D35E9E-9A1C-108C-7875-9B404F6C2BAA}"/>
-              </a:ext>
-            </a:extLst>
-          </p:cNvPr>
-          <p:cNvSpPr>
-            <a:spLocks noGrp="1"/>
-          </p:cNvSpPr>
-          <p:nvPr>
-            <p:ph type="ftr" sz="quarter" idx="11"/>
-          </p:nvPr>
-        </p:nvSpPr>
-        <p:spPr/>
+            <a:off x="628650" y="6538915"/>
+            <a:ext cx="4672263" cy="365125"/>
+          </a:xfrm>
+        </p:spPr>
         <p:txBody>
           <a:bodyPr/>
           <a:lstStyle/>
@@ -13749,7 +13928,12 @@
             <p:ph type="sldNum" sz="quarter" idx="12"/>
           </p:nvPr>
         </p:nvSpPr>
-        <p:spPr/>
+        <p:spPr>
+          <a:xfrm>
+            <a:off x="6457950" y="6356353"/>
+            <a:ext cx="2057400" cy="365125"/>
+          </a:xfrm>
+        </p:spPr>
         <p:txBody>
           <a:bodyPr/>
           <a:lstStyle/>
@@ -13784,7 +13968,7 @@
         </p:blipFill>
         <p:spPr>
           <a:xfrm>
-            <a:off x="6864016" y="6239785"/>
+            <a:off x="6942674" y="6331773"/>
             <a:ext cx="1852862" cy="505974"/>
           </a:xfrm>
           <a:prstGeom prst="rect">
@@ -13808,7 +13992,7 @@
         </p:nvCxnSpPr>
         <p:spPr>
           <a:xfrm>
-            <a:off x="552516" y="725175"/>
+            <a:off x="424112" y="422786"/>
             <a:ext cx="8235617" cy="0"/>
           </a:xfrm>
           <a:prstGeom prst="line">
@@ -13831,10 +14015,40 @@
           </a:fontRef>
         </p:style>
       </p:cxnSp>
+      <p:pic>
+        <p:nvPicPr>
+          <p:cNvPr id="8" name="Picture 7">
+            <a:extLst>
+              <a:ext uri="{FF2B5EF4-FFF2-40B4-BE49-F238E27FC236}">
+                <a16:creationId xmlns:a16="http://schemas.microsoft.com/office/drawing/2014/main" id="{0AD976FD-14EA-483D-9759-742B9ED86F9B}"/>
+              </a:ext>
+            </a:extLst>
+          </p:cNvPr>
+          <p:cNvPicPr>
+            <a:picLocks noChangeAspect="1"/>
+          </p:cNvPicPr>
+          <p:nvPr/>
+        </p:nvPicPr>
+        <p:blipFill>
+          <a:blip r:embed="rId4"/>
+          <a:stretch>
+            <a:fillRect/>
+          </a:stretch>
+        </p:blipFill>
+        <p:spPr>
+          <a:xfrm>
+            <a:off x="1086655" y="422786"/>
+            <a:ext cx="6970690" cy="6012428"/>
+          </a:xfrm>
+          <a:prstGeom prst="rect">
+            <a:avLst/>
+          </a:prstGeom>
+        </p:spPr>
+      </p:pic>
     </p:spTree>
     <p:extLst>
       <p:ext uri="{BB962C8B-B14F-4D97-AF65-F5344CB8AC3E}">
-        <p14:creationId xmlns:p14="http://schemas.microsoft.com/office/powerpoint/2010/main" val="3223686425"/>
+        <p14:creationId xmlns:p14="http://schemas.microsoft.com/office/powerpoint/2010/main" val="3683852613"/>
       </p:ext>
     </p:extLst>
   </p:cSld>
@@ -13869,24 +14083,24 @@
       </p:grpSpPr>
       <p:sp>
         <p:nvSpPr>
-          <p:cNvPr id="9" name="Content Placeholder 8">
-            <a:extLst>
-              <a:ext uri="{FF2B5EF4-FFF2-40B4-BE49-F238E27FC236}">
-                <a16:creationId xmlns:a16="http://schemas.microsoft.com/office/drawing/2014/main" id="{71BEC647-63FB-7697-132F-47402DD5471B}"/>
-              </a:ext>
-            </a:extLst>
-          </p:cNvPr>
-          <p:cNvSpPr>
-            <a:spLocks noGrp="1"/>
-          </p:cNvSpPr>
-          <p:nvPr>
-            <p:ph idx="1"/>
+          <p:cNvPr id="2" name="Title 1">
+            <a:extLst>
+              <a:ext uri="{FF2B5EF4-FFF2-40B4-BE49-F238E27FC236}">
+                <a16:creationId xmlns:a16="http://schemas.microsoft.com/office/drawing/2014/main" id="{52AD9B88-90EF-EEFA-3452-735746A4B166}"/>
+              </a:ext>
+            </a:extLst>
+          </p:cNvPr>
+          <p:cNvSpPr>
+            <a:spLocks noGrp="1"/>
+          </p:cNvSpPr>
+          <p:nvPr>
+            <p:ph type="title"/>
           </p:nvPr>
         </p:nvSpPr>
         <p:spPr>
           <a:xfrm>
-            <a:off x="451184" y="1339035"/>
-            <a:ext cx="7886700" cy="4351338"/>
+            <a:off x="628650" y="-78654"/>
+            <a:ext cx="7886700" cy="816073"/>
           </a:xfrm>
         </p:spPr>
         <p:txBody>
@@ -13895,244 +14109,105 @@
           </a:bodyPr>
           <a:lstStyle/>
           <a:p>
-            <a:pPr marL="342900" lvl="0" indent="-342900" algn="l" rtl="0">
-              <a:spcBef>
-                <a:spcPts val="0"/>
-              </a:spcBef>
-              <a:spcAft>
-                <a:spcPts val="0"/>
-              </a:spcAft>
-              <a:buSzPts val="1440"/>
-              <a:buFont typeface="Arial"/>
+            <a:r>
+              <a:rPr lang="en-US" sz="3200" b="1" dirty="0">
+                <a:latin typeface="Tenorite" panose="00000500000000000000" pitchFamily="2" charset="0"/>
+              </a:rPr>
+              <a:t>Challenges faced</a:t>
+            </a:r>
+          </a:p>
+        </p:txBody>
+      </p:sp>
+      <p:sp>
+        <p:nvSpPr>
+          <p:cNvPr id="11" name="Content Placeholder 10">
+            <a:extLst>
+              <a:ext uri="{FF2B5EF4-FFF2-40B4-BE49-F238E27FC236}">
+                <a16:creationId xmlns:a16="http://schemas.microsoft.com/office/drawing/2014/main" id="{B88175F2-E12C-4568-951D-3E022BD29EBC}"/>
+              </a:ext>
+            </a:extLst>
+          </p:cNvPr>
+          <p:cNvSpPr>
+            <a:spLocks noGrp="1"/>
+          </p:cNvSpPr>
+          <p:nvPr>
+            <p:ph idx="1"/>
+          </p:nvPr>
+        </p:nvSpPr>
+        <p:spPr>
+          <a:xfrm>
+            <a:off x="628650" y="1091381"/>
+            <a:ext cx="7886700" cy="5120488"/>
+          </a:xfrm>
+        </p:spPr>
+        <p:txBody>
+          <a:bodyPr>
+            <a:normAutofit fontScale="77500" lnSpcReduction="20000"/>
+          </a:bodyPr>
+          <a:lstStyle/>
+          <a:p>
+            <a:pPr>
+              <a:buFont typeface="Arial" panose="020B0604020202020204" pitchFamily="34" charset="0"/>
               <a:buChar char="•"/>
             </a:pPr>
             <a:r>
-              <a:rPr lang="en-US" sz="2400" b="0" i="0" dirty="0">
-                <a:solidFill>
-                  <a:srgbClr val="0D0D0D"/>
-                </a:solidFill>
+              <a:rPr lang="en-US" dirty="0">
                 <a:latin typeface="Times New Roman" panose="02020603050405020304" pitchFamily="18" charset="0"/>
-                <a:ea typeface="Arial"/>
                 <a:cs typeface="Times New Roman" panose="02020603050405020304" pitchFamily="18" charset="0"/>
-                <a:sym typeface="Arial"/>
               </a:rPr>
-              <a:t>The design and verification of an asynchronous FIFO using </a:t>
-            </a:r>
-            <a:r>
-              <a:rPr lang="en-US" sz="2400" b="0" i="0" dirty="0" err="1">
-                <a:solidFill>
-                  <a:srgbClr val="0D0D0D"/>
-                </a:solidFill>
+              <a:t>During our initial test run, we quickly identified an issue. The `</a:t>
+            </a:r>
+            <a:r>
+              <a:rPr lang="en-US" dirty="0" err="1">
                 <a:latin typeface="Times New Roman" panose="02020603050405020304" pitchFamily="18" charset="0"/>
-                <a:ea typeface="Arial"/>
                 <a:cs typeface="Times New Roman" panose="02020603050405020304" pitchFamily="18" charset="0"/>
-                <a:sym typeface="Arial"/>
               </a:rPr>
-              <a:t>SystemVerilog</a:t>
-            </a:r>
-            <a:r>
-              <a:rPr lang="en-US" sz="2400" b="0" i="0" dirty="0">
-                <a:solidFill>
-                  <a:srgbClr val="0D0D0D"/>
-                </a:solidFill>
+              <a:t>data_out</a:t>
+            </a:r>
+            <a:r>
+              <a:rPr lang="en-US" dirty="0">
                 <a:latin typeface="Times New Roman" panose="02020603050405020304" pitchFamily="18" charset="0"/>
-                <a:ea typeface="Arial"/>
                 <a:cs typeface="Times New Roman" panose="02020603050405020304" pitchFamily="18" charset="0"/>
-                <a:sym typeface="Arial"/>
               </a:rPr>
-              <a:t> (SV) and Universal Verification Methodology (UVM) ensure accuracy and reliability.  </a:t>
-            </a:r>
-          </a:p>
-          <a:p>
-            <a:pPr marL="342900" lvl="0" indent="-342900" algn="l" rtl="0">
-              <a:spcBef>
-                <a:spcPts val="0"/>
-              </a:spcBef>
-              <a:spcAft>
-                <a:spcPts val="0"/>
-              </a:spcAft>
-              <a:buSzPts val="1440"/>
-              <a:buFont typeface="Arial"/>
-              <a:buChar char="•"/>
-            </a:pPr>
-            <a:r>
-              <a:rPr lang="en-US" sz="2400" b="0" i="0" dirty="0">
-                <a:solidFill>
-                  <a:srgbClr val="0D0D0D"/>
-                </a:solidFill>
-                <a:latin typeface="Times New Roman" panose="02020603050405020304" pitchFamily="18" charset="0"/>
-                <a:ea typeface="Arial"/>
-                <a:cs typeface="Times New Roman" panose="02020603050405020304" pitchFamily="18" charset="0"/>
-                <a:sym typeface="Arial"/>
-              </a:rPr>
-              <a:t>Key techniques include functional coverage analysis, assertions, and a well-structured design approach.  </a:t>
-            </a:r>
-          </a:p>
-          <a:p>
-            <a:pPr marL="342900" lvl="0" indent="-342900" algn="l" rtl="0">
-              <a:spcBef>
-                <a:spcPts val="0"/>
-              </a:spcBef>
-              <a:spcAft>
-                <a:spcPts val="0"/>
-              </a:spcAft>
-              <a:buSzPts val="1440"/>
-              <a:buFont typeface="Arial"/>
-              <a:buChar char="•"/>
-            </a:pPr>
-            <a:r>
-              <a:rPr lang="en-US" sz="2400" b="0" i="0" dirty="0">
-                <a:solidFill>
-                  <a:srgbClr val="0D0D0D"/>
-                </a:solidFill>
-                <a:latin typeface="Times New Roman" panose="02020603050405020304" pitchFamily="18" charset="0"/>
-                <a:ea typeface="Arial"/>
-                <a:cs typeface="Times New Roman" panose="02020603050405020304" pitchFamily="18" charset="0"/>
-                <a:sym typeface="Arial"/>
-              </a:rPr>
-              <a:t>SV and UVM enhance verification by providing modularity, reusability, and scalability.  </a:t>
-            </a:r>
-          </a:p>
-          <a:p>
-            <a:pPr marL="342900" lvl="0" indent="-342900" algn="l" rtl="0">
-              <a:spcBef>
-                <a:spcPts val="0"/>
-              </a:spcBef>
-              <a:spcAft>
-                <a:spcPts val="0"/>
-              </a:spcAft>
-              <a:buSzPts val="1440"/>
-              <a:buFont typeface="Arial"/>
-              <a:buChar char="•"/>
-            </a:pPr>
-            <a:r>
-              <a:rPr lang="en-US" sz="2400" b="0" i="0" dirty="0">
-                <a:solidFill>
-                  <a:srgbClr val="0D0D0D"/>
-                </a:solidFill>
-                <a:latin typeface="Times New Roman" panose="02020603050405020304" pitchFamily="18" charset="0"/>
-                <a:ea typeface="Arial"/>
-                <a:cs typeface="Times New Roman" panose="02020603050405020304" pitchFamily="18" charset="0"/>
-                <a:sym typeface="Arial"/>
-              </a:rPr>
-              <a:t>Directed testing focuses on critical scenarios, while random testing helps identify edge cases.  </a:t>
-            </a:r>
-          </a:p>
-          <a:p>
-            <a:pPr marL="342900" lvl="0" indent="-342900" algn="l" rtl="0">
-              <a:spcBef>
-                <a:spcPts val="0"/>
-              </a:spcBef>
-              <a:spcAft>
-                <a:spcPts val="0"/>
-              </a:spcAft>
-              <a:buSzPts val="1440"/>
-              <a:buFont typeface="Arial"/>
-              <a:buChar char="•"/>
-            </a:pPr>
-            <a:r>
-              <a:rPr lang="en-US" sz="2400" b="0" i="0" dirty="0">
-                <a:solidFill>
-                  <a:srgbClr val="0D0D0D"/>
-                </a:solidFill>
-                <a:latin typeface="Times New Roman" panose="02020603050405020304" pitchFamily="18" charset="0"/>
-                <a:ea typeface="Arial"/>
-                <a:cs typeface="Times New Roman" panose="02020603050405020304" pitchFamily="18" charset="0"/>
-                <a:sym typeface="Arial"/>
-              </a:rPr>
-              <a:t>By integrating these methodologies, the design meets its requirements and functions reliably.  </a:t>
-            </a:r>
-          </a:p>
-          <a:p>
-            <a:pPr marL="342900" lvl="0" indent="-342900" algn="l" rtl="0">
-              <a:spcBef>
-                <a:spcPts val="0"/>
-              </a:spcBef>
-              <a:spcAft>
-                <a:spcPts val="0"/>
-              </a:spcAft>
-              <a:buSzPts val="1440"/>
-              <a:buFont typeface="Arial"/>
-              <a:buChar char="•"/>
-            </a:pPr>
-            <a:r>
-              <a:rPr lang="en-US" sz="2400" b="0" i="0" dirty="0">
-                <a:solidFill>
-                  <a:srgbClr val="0D0D0D"/>
-                </a:solidFill>
-                <a:latin typeface="Times New Roman" panose="02020603050405020304" pitchFamily="18" charset="0"/>
-                <a:ea typeface="Arial"/>
-                <a:cs typeface="Times New Roman" panose="02020603050405020304" pitchFamily="18" charset="0"/>
-                <a:sym typeface="Arial"/>
-              </a:rPr>
-              <a:t>This project achieved approximately 95% coverage, including both code and functional coverage.</a:t>
-            </a:r>
-            <a:endParaRPr lang="en-US" sz="2400" dirty="0">
+              <a:t>` value was incorrectly received as 'x' due to a faulty connection during setup, leading to unexpected behavior. It was frustrating to see the read address increment values completely misaligned.  </a:t>
+            </a:r>
+          </a:p>
+          <a:p>
+            <a:endParaRPr lang="en-US" dirty="0">
               <a:latin typeface="Times New Roman" panose="02020603050405020304" pitchFamily="18" charset="0"/>
               <a:cs typeface="Times New Roman" panose="02020603050405020304" pitchFamily="18" charset="0"/>
             </a:endParaRPr>
           </a:p>
           <a:p>
-            <a:pPr marL="342900" lvl="0" indent="-241300" algn="l" rtl="0">
-              <a:spcBef>
-                <a:spcPts val="1000"/>
-              </a:spcBef>
-              <a:spcAft>
-                <a:spcPts val="0"/>
-              </a:spcAft>
-              <a:buSzPts val="1600"/>
-              <a:buFont typeface="Noto Sans Symbols"/>
-              <a:buNone/>
+            <a:pPr>
+              <a:buFont typeface="Arial" panose="020B0604020202020204" pitchFamily="34" charset="0"/>
+              <a:buChar char="•"/>
             </a:pPr>
-            <a:endParaRPr lang="en-US" sz="2400" dirty="0">
-              <a:latin typeface="Times New Roman" panose="02020603050405020304" pitchFamily="18" charset="0"/>
-              <a:ea typeface="Arial"/>
-              <a:cs typeface="Times New Roman" panose="02020603050405020304" pitchFamily="18" charset="0"/>
-              <a:sym typeface="Arial"/>
-            </a:endParaRPr>
-          </a:p>
-          <a:p>
-            <a:pPr algn="just"/>
-            <a:endParaRPr lang="en-US" sz="2400" dirty="0">
+            <a:r>
+              <a:rPr lang="en-US" dirty="0">
+                <a:latin typeface="Times New Roman" panose="02020603050405020304" pitchFamily="18" charset="0"/>
+                <a:cs typeface="Times New Roman" panose="02020603050405020304" pitchFamily="18" charset="0"/>
+              </a:rPr>
+              <a:t>After completing the read and write transfers, we anticipated the correct assertion of full and empty signals, but they failed to appear. Each read transfer was supposed to extract the latest data from the monitor and driver, yet the system remained unresponsive, seemingly stuck without updating properly.  </a:t>
+            </a:r>
+          </a:p>
+          <a:p>
+            <a:endParaRPr lang="en-US" dirty="0">
               <a:latin typeface="Times New Roman" panose="02020603050405020304" pitchFamily="18" charset="0"/>
               <a:cs typeface="Times New Roman" panose="02020603050405020304" pitchFamily="18" charset="0"/>
             </a:endParaRPr>
           </a:p>
-        </p:txBody>
-      </p:sp>
-      <p:sp>
-        <p:nvSpPr>
-          <p:cNvPr id="2" name="Title 1">
-            <a:extLst>
-              <a:ext uri="{FF2B5EF4-FFF2-40B4-BE49-F238E27FC236}">
-                <a16:creationId xmlns:a16="http://schemas.microsoft.com/office/drawing/2014/main" id="{52AD9B88-90EF-EEFA-3452-735746A4B166}"/>
-              </a:ext>
-            </a:extLst>
-          </p:cNvPr>
-          <p:cNvSpPr>
-            <a:spLocks noGrp="1"/>
-          </p:cNvSpPr>
-          <p:nvPr>
-            <p:ph type="title"/>
-          </p:nvPr>
-        </p:nvSpPr>
-        <p:spPr>
-          <a:xfrm>
-            <a:off x="451184" y="365126"/>
-            <a:ext cx="8265695" cy="687638"/>
-          </a:xfrm>
-        </p:spPr>
-        <p:txBody>
-          <a:bodyPr>
-            <a:noAutofit/>
-          </a:bodyPr>
-          <a:lstStyle/>
-          <a:p>
-            <a:r>
-              <a:rPr lang="en-US" sz="3200" b="1" dirty="0">
-                <a:latin typeface="Tenorite" panose="00000500000000000000" pitchFamily="2" charset="0"/>
+          <a:p>
+            <a:pPr>
+              <a:buFont typeface="Arial" panose="020B0604020202020204" pitchFamily="34" charset="0"/>
+              <a:buChar char="•"/>
+            </a:pPr>
+            <a:r>
+              <a:rPr lang="en-US" dirty="0">
+                <a:latin typeface="Times New Roman" panose="02020603050405020304" pitchFamily="18" charset="0"/>
+                <a:cs typeface="Times New Roman" panose="02020603050405020304" pitchFamily="18" charset="0"/>
               </a:rPr>
-              <a:t>Conclusion</a:t>
+              <a:t>A significant problem was the lack of an error detection and correction mechanism, making it impossible to verify the asynchronous FIFO accurately. Additionally, race conditions between the write and read pointers caused instability and confusion. The most frustrating part was the system's failure to revert to a previously functional state, leaving us with a broken setup and no immediate resolution.</a:t>
             </a:r>
           </a:p>
         </p:txBody>
@@ -14153,12 +14228,7 @@
             <p:ph type="ftr" sz="quarter" idx="11"/>
           </p:nvPr>
         </p:nvSpPr>
-        <p:spPr>
-          <a:xfrm>
-            <a:off x="538214" y="6179581"/>
-            <a:ext cx="4672263" cy="365125"/>
-          </a:xfrm>
-        </p:spPr>
+        <p:spPr/>
         <p:txBody>
           <a:bodyPr/>
           <a:lstStyle/>
@@ -14177,7 +14247,7 @@
                 </a:solidFill>
                 <a:latin typeface="Tenorite" panose="00000500000000000000" pitchFamily="2" charset="0"/>
               </a:rPr>
-              <a:t>&lt;TEAM10&gt;</a:t>
+              <a:t>TEAM-10</a:t>
             </a:r>
           </a:p>
         </p:txBody>
@@ -14198,12 +14268,7 @@
             <p:ph type="sldNum" sz="quarter" idx="12"/>
           </p:nvPr>
         </p:nvSpPr>
-        <p:spPr>
-          <a:xfrm>
-            <a:off x="6457950" y="6356351"/>
-            <a:ext cx="2057400" cy="365125"/>
-          </a:xfrm>
-        </p:spPr>
+        <p:spPr/>
         <p:txBody>
           <a:bodyPr/>
           <a:lstStyle/>
@@ -14262,7 +14327,7 @@
         </p:nvCxnSpPr>
         <p:spPr>
           <a:xfrm>
-            <a:off x="454191" y="1167627"/>
+            <a:off x="552516" y="725175"/>
             <a:ext cx="8235617" cy="0"/>
           </a:xfrm>
           <a:prstGeom prst="line">
@@ -14288,7 +14353,7 @@
     </p:spTree>
     <p:extLst>
       <p:ext uri="{BB962C8B-B14F-4D97-AF65-F5344CB8AC3E}">
-        <p14:creationId xmlns:p14="http://schemas.microsoft.com/office/powerpoint/2010/main" val="3609468042"/>
+        <p14:creationId xmlns:p14="http://schemas.microsoft.com/office/powerpoint/2010/main" val="3223686425"/>
       </p:ext>
     </p:extLst>
   </p:cSld>
@@ -14340,7 +14405,7 @@
         <p:spPr>
           <a:xfrm>
             <a:off x="451184" y="1339035"/>
-            <a:ext cx="7886700" cy="2775764"/>
+            <a:ext cx="7886700" cy="4351338"/>
           </a:xfrm>
         </p:spPr>
         <p:txBody>
@@ -14349,139 +14414,205 @@
           </a:bodyPr>
           <a:lstStyle/>
           <a:p>
-            <a:pPr marL="0" lvl="0" indent="0" algn="l" rtl="0">
+            <a:pPr marL="342900" lvl="0" indent="-342900" algn="l" rtl="0">
               <a:spcBef>
                 <a:spcPts val="0"/>
               </a:spcBef>
               <a:spcAft>
                 <a:spcPts val="0"/>
               </a:spcAft>
-              <a:buSzPts val="1280"/>
-              <a:buNone/>
+              <a:buSzPts val="1440"/>
+              <a:buFont typeface="Arial"/>
+              <a:buChar char="•"/>
             </a:pPr>
             <a:r>
-              <a:rPr lang="en-US" sz="2000" dirty="0"/>
-              <a:t>1. S. Cummings, "FIFOs: Fast, predictable, and deep," in Proceedings of SNUG, 2002. [Online]. </a:t>
-            </a:r>
-            <a:r>
-              <a:rPr lang="en-US" sz="2000" dirty="0" err="1"/>
-              <a:t>Available:</a:t>
-            </a:r>
-            <a:r>
-              <a:rPr lang="en-US" sz="2000" u="sng" dirty="0" err="1">
+              <a:rPr lang="en-US" sz="2400" b="0" i="0" dirty="0">
                 <a:solidFill>
-                  <a:schemeClr val="hlink"/>
+                  <a:srgbClr val="0D0D0D"/>
                 </a:solidFill>
-                <a:hlinkClick r:id="rId3"/>
+                <a:latin typeface="Times New Roman" panose="02020603050405020304" pitchFamily="18" charset="0"/>
+                <a:ea typeface="Arial"/>
+                <a:cs typeface="Times New Roman" panose="02020603050405020304" pitchFamily="18" charset="0"/>
+                <a:sym typeface="Arial"/>
               </a:rPr>
-              <a:t>http</a:t>
-            </a:r>
-            <a:r>
-              <a:rPr lang="en-US" sz="2000" u="sng" dirty="0">
+              <a:t>The design and verification of an asynchronous FIFO using </a:t>
+            </a:r>
+            <a:r>
+              <a:rPr lang="en-US" sz="2400" b="0" i="0" dirty="0" err="1">
                 <a:solidFill>
-                  <a:schemeClr val="hlink"/>
+                  <a:srgbClr val="0D0D0D"/>
                 </a:solidFill>
-                <a:hlinkClick r:id="rId3"/>
+                <a:latin typeface="Times New Roman" panose="02020603050405020304" pitchFamily="18" charset="0"/>
+                <a:ea typeface="Arial"/>
+                <a:cs typeface="Times New Roman" panose="02020603050405020304" pitchFamily="18" charset="0"/>
+                <a:sym typeface="Arial"/>
               </a:rPr>
-              <a:t>://www.sunburst-design.com/papers/CummingsSNUG2002SJ_FIFO1.pdf</a:t>
-            </a:r>
-            <a:endParaRPr lang="en-US" sz="2000" dirty="0"/>
-          </a:p>
-          <a:p>
-            <a:pPr marL="0" lvl="0" indent="0" algn="l" rtl="0">
+              <a:t>SystemVerilog</a:t>
+            </a:r>
+            <a:r>
+              <a:rPr lang="en-US" sz="2400" b="0" i="0" dirty="0">
+                <a:solidFill>
+                  <a:srgbClr val="0D0D0D"/>
+                </a:solidFill>
+                <a:latin typeface="Times New Roman" panose="02020603050405020304" pitchFamily="18" charset="0"/>
+                <a:ea typeface="Arial"/>
+                <a:cs typeface="Times New Roman" panose="02020603050405020304" pitchFamily="18" charset="0"/>
+                <a:sym typeface="Arial"/>
+              </a:rPr>
+              <a:t> (SV) and Universal Verification Methodology (UVM) ensure accuracy and reliability.  </a:t>
+            </a:r>
+          </a:p>
+          <a:p>
+            <a:pPr marL="342900" lvl="0" indent="-342900" algn="l" rtl="0">
+              <a:spcBef>
+                <a:spcPts val="0"/>
+              </a:spcBef>
+              <a:spcAft>
+                <a:spcPts val="0"/>
+              </a:spcAft>
+              <a:buSzPts val="1440"/>
+              <a:buFont typeface="Arial"/>
+              <a:buChar char="•"/>
+            </a:pPr>
+            <a:r>
+              <a:rPr lang="en-US" sz="2400" b="0" i="0" dirty="0">
+                <a:solidFill>
+                  <a:srgbClr val="0D0D0D"/>
+                </a:solidFill>
+                <a:latin typeface="Times New Roman" panose="02020603050405020304" pitchFamily="18" charset="0"/>
+                <a:ea typeface="Arial"/>
+                <a:cs typeface="Times New Roman" panose="02020603050405020304" pitchFamily="18" charset="0"/>
+                <a:sym typeface="Arial"/>
+              </a:rPr>
+              <a:t>Key techniques include functional coverage analysis, assertions, and a well-structured design approach.  </a:t>
+            </a:r>
+          </a:p>
+          <a:p>
+            <a:pPr marL="342900" lvl="0" indent="-342900" algn="l" rtl="0">
+              <a:spcBef>
+                <a:spcPts val="0"/>
+              </a:spcBef>
+              <a:spcAft>
+                <a:spcPts val="0"/>
+              </a:spcAft>
+              <a:buSzPts val="1440"/>
+              <a:buFont typeface="Arial"/>
+              <a:buChar char="•"/>
+            </a:pPr>
+            <a:r>
+              <a:rPr lang="en-US" sz="2400" b="0" i="0" dirty="0">
+                <a:solidFill>
+                  <a:srgbClr val="0D0D0D"/>
+                </a:solidFill>
+                <a:latin typeface="Times New Roman" panose="02020603050405020304" pitchFamily="18" charset="0"/>
+                <a:ea typeface="Arial"/>
+                <a:cs typeface="Times New Roman" panose="02020603050405020304" pitchFamily="18" charset="0"/>
+                <a:sym typeface="Arial"/>
+              </a:rPr>
+              <a:t>SV and UVM enhance verification by providing modularity, reusability, and scalability.  </a:t>
+            </a:r>
+          </a:p>
+          <a:p>
+            <a:pPr marL="342900" lvl="0" indent="-342900" algn="l" rtl="0">
+              <a:spcBef>
+                <a:spcPts val="0"/>
+              </a:spcBef>
+              <a:spcAft>
+                <a:spcPts val="0"/>
+              </a:spcAft>
+              <a:buSzPts val="1440"/>
+              <a:buFont typeface="Arial"/>
+              <a:buChar char="•"/>
+            </a:pPr>
+            <a:r>
+              <a:rPr lang="en-US" sz="2400" b="0" i="0" dirty="0">
+                <a:solidFill>
+                  <a:srgbClr val="0D0D0D"/>
+                </a:solidFill>
+                <a:latin typeface="Times New Roman" panose="02020603050405020304" pitchFamily="18" charset="0"/>
+                <a:ea typeface="Arial"/>
+                <a:cs typeface="Times New Roman" panose="02020603050405020304" pitchFamily="18" charset="0"/>
+                <a:sym typeface="Arial"/>
+              </a:rPr>
+              <a:t>Directed testing focuses on critical scenarios, while random testing helps identify edge cases.  </a:t>
+            </a:r>
+          </a:p>
+          <a:p>
+            <a:pPr marL="342900" lvl="0" indent="-342900" algn="l" rtl="0">
+              <a:spcBef>
+                <a:spcPts val="0"/>
+              </a:spcBef>
+              <a:spcAft>
+                <a:spcPts val="0"/>
+              </a:spcAft>
+              <a:buSzPts val="1440"/>
+              <a:buFont typeface="Arial"/>
+              <a:buChar char="•"/>
+            </a:pPr>
+            <a:r>
+              <a:rPr lang="en-US" sz="2400" b="0" i="0" dirty="0">
+                <a:solidFill>
+                  <a:srgbClr val="0D0D0D"/>
+                </a:solidFill>
+                <a:latin typeface="Times New Roman" panose="02020603050405020304" pitchFamily="18" charset="0"/>
+                <a:ea typeface="Arial"/>
+                <a:cs typeface="Times New Roman" panose="02020603050405020304" pitchFamily="18" charset="0"/>
+                <a:sym typeface="Arial"/>
+              </a:rPr>
+              <a:t>By integrating these methodologies, the design meets its requirements and functions reliably.  </a:t>
+            </a:r>
+          </a:p>
+          <a:p>
+            <a:pPr marL="342900" lvl="0" indent="-342900" algn="l" rtl="0">
+              <a:spcBef>
+                <a:spcPts val="0"/>
+              </a:spcBef>
+              <a:spcAft>
+                <a:spcPts val="0"/>
+              </a:spcAft>
+              <a:buSzPts val="1440"/>
+              <a:buFont typeface="Arial"/>
+              <a:buChar char="•"/>
+            </a:pPr>
+            <a:r>
+              <a:rPr lang="en-US" sz="2400" b="0" i="0" dirty="0">
+                <a:solidFill>
+                  <a:srgbClr val="0D0D0D"/>
+                </a:solidFill>
+                <a:latin typeface="Times New Roman" panose="02020603050405020304" pitchFamily="18" charset="0"/>
+                <a:ea typeface="Arial"/>
+                <a:cs typeface="Times New Roman" panose="02020603050405020304" pitchFamily="18" charset="0"/>
+                <a:sym typeface="Arial"/>
+              </a:rPr>
+              <a:t>This project achieved approximately 95% coverage, including both code and functional coverage.</a:t>
+            </a:r>
+            <a:endParaRPr lang="en-US" sz="2400" dirty="0">
+              <a:latin typeface="Times New Roman" panose="02020603050405020304" pitchFamily="18" charset="0"/>
+              <a:cs typeface="Times New Roman" panose="02020603050405020304" pitchFamily="18" charset="0"/>
+            </a:endParaRPr>
+          </a:p>
+          <a:p>
+            <a:pPr marL="342900" lvl="0" indent="-241300" algn="l" rtl="0">
               <a:spcBef>
                 <a:spcPts val="1000"/>
               </a:spcBef>
               <a:spcAft>
                 <a:spcPts val="0"/>
               </a:spcAft>
-              <a:buSzPts val="1280"/>
+              <a:buSzPts val="1600"/>
+              <a:buFont typeface="Noto Sans Symbols"/>
               <a:buNone/>
             </a:pPr>
-            <a:r>
-              <a:rPr lang="en-US" sz="2000" dirty="0"/>
-              <a:t>2. S. Cummings, "FIFOs: Fast, predictable, and deep (Part II)," in Proceedings of SNUG, 2002. [Online]. Available: </a:t>
-            </a:r>
-            <a:r>
-              <a:rPr lang="en-US" sz="2000" u="sng" dirty="0">
-                <a:solidFill>
-                  <a:schemeClr val="hlink"/>
-                </a:solidFill>
-                <a:hlinkClick r:id="rId3"/>
-              </a:rPr>
-              <a:t>http://www.sunburst-design.com/papers/CummingsSNUG2002SJ_FIFO2.pdf</a:t>
-            </a:r>
-            <a:endParaRPr lang="en-US" sz="2000" dirty="0"/>
-          </a:p>
-          <a:p>
-            <a:pPr marL="0" lvl="0" indent="0" algn="l" rtl="0">
-              <a:spcBef>
-                <a:spcPts val="1000"/>
-              </a:spcBef>
-              <a:spcAft>
-                <a:spcPts val="0"/>
-              </a:spcAft>
-              <a:buSzPts val="1280"/>
-              <a:buNone/>
-            </a:pPr>
-            <a:r>
-              <a:rPr lang="en-US" sz="2000" dirty="0"/>
-              <a:t>3. </a:t>
-            </a:r>
-            <a:r>
-              <a:rPr lang="en-US" sz="2000" dirty="0" err="1"/>
-              <a:t>Putta</a:t>
-            </a:r>
-            <a:r>
-              <a:rPr lang="en-US" sz="2000" dirty="0"/>
-              <a:t> Satish, "FIFO Depth Calculation Made Easy," [Online]. Available: </a:t>
-            </a:r>
-            <a:r>
-              <a:rPr lang="en-US" sz="2000" u="sng" dirty="0">
-                <a:solidFill>
-                  <a:schemeClr val="hlink"/>
-                </a:solidFill>
-                <a:hlinkClick r:id="rId3"/>
-              </a:rPr>
-              <a:t>https://hardwaregeeksblog.files.wordpress.com/2016/12/fifodepthcalculationmadeeasy2.pdf </a:t>
-            </a:r>
-            <a:endParaRPr lang="en-US" sz="2000" dirty="0"/>
-          </a:p>
-          <a:p>
-            <a:pPr marL="0" lvl="0" indent="0" algn="l" rtl="0">
-              <a:spcBef>
-                <a:spcPts val="1000"/>
-              </a:spcBef>
-              <a:spcAft>
-                <a:spcPts val="0"/>
-              </a:spcAft>
-              <a:buSzPts val="1280"/>
-              <a:buNone/>
-            </a:pPr>
-            <a:r>
-              <a:rPr lang="en-US" sz="2000" dirty="0"/>
-              <a:t>4. A. Author et al., "Title of the Paper," in Proceedings of the Conference, 2015, pp. 123-456. [Online]. Available: </a:t>
-            </a:r>
-            <a:r>
-              <a:rPr lang="en-US" sz="2000" u="sng" dirty="0">
-                <a:solidFill>
-                  <a:schemeClr val="hlink"/>
-                </a:solidFill>
-                <a:hlinkClick r:id="rId3"/>
-              </a:rPr>
-              <a:t>https://ieeexplore.ieee.org/abstract/document/7237325.</a:t>
-            </a:r>
-            <a:r>
-              <a:rPr lang="en-US" sz="2000" dirty="0"/>
-              <a:t> </a:t>
-            </a:r>
-            <a:endParaRPr lang="en-US" sz="1400" dirty="0"/>
-          </a:p>
-          <a:p>
-            <a:pPr marL="0" indent="0" algn="just">
-              <a:buNone/>
-            </a:pPr>
-            <a:endParaRPr lang="en-US" sz="2000" dirty="0">
+            <a:endParaRPr lang="en-US" sz="2400" dirty="0">
+              <a:latin typeface="Times New Roman" panose="02020603050405020304" pitchFamily="18" charset="0"/>
+              <a:ea typeface="Arial"/>
+              <a:cs typeface="Times New Roman" panose="02020603050405020304" pitchFamily="18" charset="0"/>
+              <a:sym typeface="Arial"/>
+            </a:endParaRPr>
+          </a:p>
+          <a:p>
+            <a:pPr algn="just"/>
+            <a:endParaRPr lang="en-US" sz="2400" dirty="0">
               <a:latin typeface="Times New Roman" panose="02020603050405020304" pitchFamily="18" charset="0"/>
               <a:cs typeface="Times New Roman" panose="02020603050405020304" pitchFamily="18" charset="0"/>
             </a:endParaRPr>
@@ -14520,7 +14651,7 @@
               <a:rPr lang="en-US" sz="3200" b="1" dirty="0">
                 <a:latin typeface="Tenorite" panose="00000500000000000000" pitchFamily="2" charset="0"/>
               </a:rPr>
-              <a:t>References and Citations</a:t>
+              <a:t>Conclusion</a:t>
             </a:r>
           </a:p>
         </p:txBody>
@@ -14619,7 +14750,7 @@
           <p:nvPr/>
         </p:nvPicPr>
         <p:blipFill>
-          <a:blip r:embed="rId4"/>
+          <a:blip r:embed="rId3"/>
           <a:stretch>
             <a:fillRect/>
           </a:stretch>
@@ -14676,7 +14807,7 @@
     </p:spTree>
     <p:extLst>
       <p:ext uri="{BB962C8B-B14F-4D97-AF65-F5344CB8AC3E}">
-        <p14:creationId xmlns:p14="http://schemas.microsoft.com/office/powerpoint/2010/main" val="4116396854"/>
+        <p14:creationId xmlns:p14="http://schemas.microsoft.com/office/powerpoint/2010/main" val="3609468042"/>
       </p:ext>
     </p:extLst>
   </p:cSld>
@@ -14727,8 +14858,8 @@
         </p:nvSpPr>
         <p:spPr>
           <a:xfrm>
-            <a:off x="451184" y="1339034"/>
-            <a:ext cx="7886700" cy="3036317"/>
+            <a:off x="451184" y="1339035"/>
+            <a:ext cx="7886700" cy="2775764"/>
           </a:xfrm>
         </p:spPr>
         <p:txBody>
@@ -14736,6 +14867,45 @@
             <a:noAutofit/>
           </a:bodyPr>
           <a:lstStyle/>
+          <a:p>
+            <a:pPr marL="0" lvl="0" indent="0" algn="l" rtl="0">
+              <a:spcBef>
+                <a:spcPts val="0"/>
+              </a:spcBef>
+              <a:spcAft>
+                <a:spcPts val="0"/>
+              </a:spcAft>
+              <a:buSzPts val="1280"/>
+              <a:buNone/>
+            </a:pPr>
+            <a:r>
+              <a:rPr lang="en-US" sz="2000" dirty="0"/>
+              <a:t>1. S. Cummings, "FIFOs: Fast, predictable, and deep," in Proceedings of SNUG, 2002. [Online]. </a:t>
+            </a:r>
+            <a:r>
+              <a:rPr lang="en-US" sz="2000" dirty="0" err="1"/>
+              <a:t>Available:</a:t>
+            </a:r>
+            <a:r>
+              <a:rPr lang="en-US" sz="2000" u="sng" dirty="0" err="1">
+                <a:solidFill>
+                  <a:schemeClr val="hlink"/>
+                </a:solidFill>
+                <a:hlinkClick r:id="rId3"/>
+              </a:rPr>
+              <a:t>http</a:t>
+            </a:r>
+            <a:r>
+              <a:rPr lang="en-US" sz="2000" u="sng" dirty="0">
+                <a:solidFill>
+                  <a:schemeClr val="hlink"/>
+                </a:solidFill>
+                <a:hlinkClick r:id="rId3"/>
+              </a:rPr>
+              <a:t>://www.sunburst-design.com/papers/CummingsSNUG2002SJ_FIFO1.pdf</a:t>
+            </a:r>
+            <a:endParaRPr lang="en-US" sz="2000" dirty="0"/>
+          </a:p>
           <a:p>
             <a:pPr marL="0" lvl="0" indent="0" algn="l" rtl="0">
               <a:spcBef>
@@ -14749,7 +14919,7 @@
             </a:pPr>
             <a:r>
               <a:rPr lang="en-US" sz="2000" dirty="0"/>
-              <a:t>5. M. Last Name et al., "Designing Asynchronous FIFO," [Online]. Available: </a:t>
+              <a:t>2. S. Cummings, "FIFOs: Fast, predictable, and deep (Part II)," in Proceedings of SNUG, 2002. [Online]. Available: </a:t>
             </a:r>
             <a:r>
               <a:rPr lang="en-US" sz="2000" u="sng" dirty="0">
@@ -14758,13 +14928,9 @@
                 </a:solidFill>
                 <a:hlinkClick r:id="rId3"/>
               </a:rPr>
-              <a:t>https://d1wqtxts1xzle7.cloudfront.net/56108360/EC109-libre.pdf</a:t>
-            </a:r>
-            <a:r>
-              <a:rPr lang="en-US" sz="2000" dirty="0"/>
-              <a:t>.</a:t>
-            </a:r>
-            <a:endParaRPr lang="en-US" sz="1400" dirty="0"/>
+              <a:t>http://www.sunburst-design.com/papers/CummingsSNUG2002SJ_FIFO2.pdf</a:t>
+            </a:r>
+            <a:endParaRPr lang="en-US" sz="2000" dirty="0"/>
           </a:p>
           <a:p>
             <a:pPr marL="0" lvl="0" indent="0" algn="l" rtl="0">
@@ -14779,16 +14945,24 @@
             </a:pPr>
             <a:r>
               <a:rPr lang="en-US" sz="2000" dirty="0"/>
-              <a:t>6. A. Author et al., "Title of the Paper," in Proceedings of the Conference, 2011, pp. 789-012. [Online]. Available: </a:t>
+              <a:t>3. </a:t>
+            </a:r>
+            <a:r>
+              <a:rPr lang="en-US" sz="2000" dirty="0" err="1"/>
+              <a:t>Putta</a:t>
+            </a:r>
+            <a:r>
+              <a:rPr lang="en-US" sz="2000" dirty="0"/>
+              <a:t> Satish, "FIFO Depth Calculation Made Easy," [Online]. Available: </a:t>
             </a:r>
             <a:r>
               <a:rPr lang="en-US" sz="2000" u="sng" dirty="0">
                 <a:solidFill>
                   <a:schemeClr val="hlink"/>
                 </a:solidFill>
-                <a:hlinkClick r:id="rId4"/>
+                <a:hlinkClick r:id="rId3"/>
               </a:rPr>
-              <a:t>https://ieeexplore.ieee.org/stamp/stamp.jsp?arnumber=6041338 </a:t>
+              <a:t>https://hardwaregeeksblog.files.wordpress.com/2016/12/fifodepthcalculationmadeeasy2.pdf </a:t>
             </a:r>
             <a:endParaRPr lang="en-US" sz="2000" dirty="0"/>
           </a:p>
@@ -14805,24 +14979,282 @@
             </a:pPr>
             <a:r>
               <a:rPr lang="en-US" sz="2000" dirty="0"/>
-              <a:t>7. </a:t>
-            </a:r>
-            <a:r>
-              <a:rPr lang="en-US" sz="2000" dirty="0" err="1"/>
-              <a:t>Aldec</a:t>
+              <a:t>4. A. Author et al., "Title of the Paper," in Proceedings of the Conference, 2015, pp. 123-456. [Online]. Available: </a:t>
+            </a:r>
+            <a:r>
+              <a:rPr lang="en-US" sz="2000" u="sng" dirty="0">
+                <a:solidFill>
+                  <a:schemeClr val="hlink"/>
+                </a:solidFill>
+                <a:hlinkClick r:id="rId3"/>
+              </a:rPr>
+              <a:t>https://ieeexplore.ieee.org/abstract/document/7237325.</a:t>
             </a:r>
             <a:r>
               <a:rPr lang="en-US" sz="2000" dirty="0"/>
-              <a:t> website </a:t>
-            </a:r>
-            <a:r>
-              <a:rPr lang="en-US" sz="2000" dirty="0">
-                <a:hlinkClick r:id="rId5"/>
+              <a:t> </a:t>
+            </a:r>
+            <a:endParaRPr lang="en-US" sz="1400" dirty="0"/>
+          </a:p>
+          <a:p>
+            <a:pPr marL="0" indent="0" algn="just">
+              <a:buNone/>
+            </a:pPr>
+            <a:endParaRPr lang="en-US" sz="2000" dirty="0">
+              <a:latin typeface="Times New Roman" panose="02020603050405020304" pitchFamily="18" charset="0"/>
+              <a:cs typeface="Times New Roman" panose="02020603050405020304" pitchFamily="18" charset="0"/>
+            </a:endParaRPr>
+          </a:p>
+        </p:txBody>
+      </p:sp>
+      <p:sp>
+        <p:nvSpPr>
+          <p:cNvPr id="2" name="Title 1">
+            <a:extLst>
+              <a:ext uri="{FF2B5EF4-FFF2-40B4-BE49-F238E27FC236}">
+                <a16:creationId xmlns:a16="http://schemas.microsoft.com/office/drawing/2014/main" id="{52AD9B88-90EF-EEFA-3452-735746A4B166}"/>
+              </a:ext>
+            </a:extLst>
+          </p:cNvPr>
+          <p:cNvSpPr>
+            <a:spLocks noGrp="1"/>
+          </p:cNvSpPr>
+          <p:nvPr>
+            <p:ph type="title"/>
+          </p:nvPr>
+        </p:nvSpPr>
+        <p:spPr>
+          <a:xfrm>
+            <a:off x="451184" y="365126"/>
+            <a:ext cx="8265695" cy="687638"/>
+          </a:xfrm>
+        </p:spPr>
+        <p:txBody>
+          <a:bodyPr>
+            <a:noAutofit/>
+          </a:bodyPr>
+          <a:lstStyle/>
+          <a:p>
+            <a:r>
+              <a:rPr lang="en-US" sz="3200" b="1" dirty="0">
+                <a:latin typeface="Tenorite" panose="00000500000000000000" pitchFamily="2" charset="0"/>
               </a:rPr>
-              <a:t>https://www.aldec.com/en/company/blog/168--verification-effectiveness-with-riviera-pro-systemverilog-randomized-layered-testbench</a:t>
-            </a:r>
-            <a:endParaRPr lang="en-US" sz="2000" dirty="0"/>
-          </a:p>
+              <a:t>References and Citations</a:t>
+            </a:r>
+          </a:p>
+        </p:txBody>
+      </p:sp>
+      <p:sp>
+        <p:nvSpPr>
+          <p:cNvPr id="4" name="Footer Placeholder 3">
+            <a:extLst>
+              <a:ext uri="{FF2B5EF4-FFF2-40B4-BE49-F238E27FC236}">
+                <a16:creationId xmlns:a16="http://schemas.microsoft.com/office/drawing/2014/main" id="{72D35E9E-9A1C-108C-7875-9B404F6C2BAA}"/>
+              </a:ext>
+            </a:extLst>
+          </p:cNvPr>
+          <p:cNvSpPr>
+            <a:spLocks noGrp="1"/>
+          </p:cNvSpPr>
+          <p:nvPr>
+            <p:ph type="ftr" sz="quarter" idx="11"/>
+          </p:nvPr>
+        </p:nvSpPr>
+        <p:spPr>
+          <a:xfrm>
+            <a:off x="538214" y="6179581"/>
+            <a:ext cx="4672263" cy="365125"/>
+          </a:xfrm>
+        </p:spPr>
+        <p:txBody>
+          <a:bodyPr/>
+          <a:lstStyle/>
+          <a:p>
+            <a:pPr algn="l"/>
+            <a:r>
+              <a:rPr lang="en-US" b="1" dirty="0">
+                <a:latin typeface="Tenorite" panose="00000500000000000000" pitchFamily="2" charset="0"/>
+              </a:rPr>
+              <a:t>ECE-593: Fundamentals of Pre-Silicon Validation: </a:t>
+            </a:r>
+            <a:r>
+              <a:rPr lang="en-US" b="1" dirty="0">
+                <a:solidFill>
+                  <a:schemeClr val="tx1"/>
+                </a:solidFill>
+                <a:latin typeface="Tenorite" panose="00000500000000000000" pitchFamily="2" charset="0"/>
+              </a:rPr>
+              <a:t>&lt;TEAM10&gt;</a:t>
+            </a:r>
+          </a:p>
+        </p:txBody>
+      </p:sp>
+      <p:sp>
+        <p:nvSpPr>
+          <p:cNvPr id="5" name="Slide Number Placeholder 4">
+            <a:extLst>
+              <a:ext uri="{FF2B5EF4-FFF2-40B4-BE49-F238E27FC236}">
+                <a16:creationId xmlns:a16="http://schemas.microsoft.com/office/drawing/2014/main" id="{A63C87A4-5981-4741-1286-A7CE16546DB9}"/>
+              </a:ext>
+            </a:extLst>
+          </p:cNvPr>
+          <p:cNvSpPr>
+            <a:spLocks noGrp="1"/>
+          </p:cNvSpPr>
+          <p:nvPr>
+            <p:ph type="sldNum" sz="quarter" idx="12"/>
+          </p:nvPr>
+        </p:nvSpPr>
+        <p:spPr>
+          <a:xfrm>
+            <a:off x="6457950" y="6356351"/>
+            <a:ext cx="2057400" cy="365125"/>
+          </a:xfrm>
+        </p:spPr>
+        <p:txBody>
+          <a:bodyPr/>
+          <a:lstStyle/>
+          <a:p>
+            <a:fld id="{3AB4F8F5-7E28-4CCD-B37C-16288F737BD7}" type="slidenum">
+              <a:rPr lang="en-US" smtClean="0"/>
+              <a:t>27</a:t>
+            </a:fld>
+            <a:endParaRPr lang="en-US"/>
+          </a:p>
+        </p:txBody>
+      </p:sp>
+      <p:pic>
+        <p:nvPicPr>
+          <p:cNvPr id="6" name="Picture 5">
+            <a:extLst>
+              <a:ext uri="{FF2B5EF4-FFF2-40B4-BE49-F238E27FC236}">
+                <a16:creationId xmlns:a16="http://schemas.microsoft.com/office/drawing/2014/main" id="{A0E36807-25F4-37B4-0114-2AD5E20D8197}"/>
+              </a:ext>
+            </a:extLst>
+          </p:cNvPr>
+          <p:cNvPicPr>
+            <a:picLocks noChangeAspect="1"/>
+          </p:cNvPicPr>
+          <p:nvPr/>
+        </p:nvPicPr>
+        <p:blipFill>
+          <a:blip r:embed="rId4"/>
+          <a:stretch>
+            <a:fillRect/>
+          </a:stretch>
+        </p:blipFill>
+        <p:spPr>
+          <a:xfrm>
+            <a:off x="6864016" y="6239785"/>
+            <a:ext cx="1852862" cy="505974"/>
+          </a:xfrm>
+          <a:prstGeom prst="rect">
+            <a:avLst/>
+          </a:prstGeom>
+        </p:spPr>
+      </p:pic>
+      <p:cxnSp>
+        <p:nvCxnSpPr>
+          <p:cNvPr id="7" name="Straight Connector 6">
+            <a:extLst>
+              <a:ext uri="{FF2B5EF4-FFF2-40B4-BE49-F238E27FC236}">
+                <a16:creationId xmlns:a16="http://schemas.microsoft.com/office/drawing/2014/main" id="{6814EC41-B600-0F1B-1139-329B5949D231}"/>
+              </a:ext>
+            </a:extLst>
+          </p:cNvPr>
+          <p:cNvCxnSpPr>
+            <a:cxnSpLocks/>
+          </p:cNvCxnSpPr>
+          <p:nvPr/>
+        </p:nvCxnSpPr>
+        <p:spPr>
+          <a:xfrm>
+            <a:off x="454191" y="1167627"/>
+            <a:ext cx="8235617" cy="0"/>
+          </a:xfrm>
+          <a:prstGeom prst="line">
+            <a:avLst/>
+          </a:prstGeom>
+          <a:ln w="38100"/>
+        </p:spPr>
+        <p:style>
+          <a:lnRef idx="1">
+            <a:schemeClr val="accent1"/>
+          </a:lnRef>
+          <a:fillRef idx="0">
+            <a:schemeClr val="accent1"/>
+          </a:fillRef>
+          <a:effectRef idx="0">
+            <a:schemeClr val="accent1"/>
+          </a:effectRef>
+          <a:fontRef idx="minor">
+            <a:schemeClr val="tx1"/>
+          </a:fontRef>
+        </p:style>
+      </p:cxnSp>
+    </p:spTree>
+    <p:extLst>
+      <p:ext uri="{BB962C8B-B14F-4D97-AF65-F5344CB8AC3E}">
+        <p14:creationId xmlns:p14="http://schemas.microsoft.com/office/powerpoint/2010/main" val="4116396854"/>
+      </p:ext>
+    </p:extLst>
+  </p:cSld>
+  <p:clrMapOvr>
+    <a:masterClrMapping/>
+  </p:clrMapOvr>
+</p:sld>
+</file>
+
+<file path=ppt/slides/slide28.xml><?xml version="1.0" encoding="utf-8"?>
+<p:sld xmlns:a="http://schemas.openxmlformats.org/drawingml/2006/main" xmlns:r="http://schemas.openxmlformats.org/officeDocument/2006/relationships" xmlns:p="http://schemas.openxmlformats.org/presentationml/2006/main">
+  <p:cSld>
+    <p:spTree>
+      <p:nvGrpSpPr>
+        <p:cNvPr id="1" name="">
+          <a:extLst>
+            <a:ext uri="{FF2B5EF4-FFF2-40B4-BE49-F238E27FC236}">
+              <a16:creationId xmlns:a16="http://schemas.microsoft.com/office/drawing/2014/main" id="{BC52378F-273F-F668-B929-96A5AE2E0D0D}"/>
+            </a:ext>
+          </a:extLst>
+        </p:cNvPr>
+        <p:cNvGrpSpPr/>
+        <p:nvPr/>
+      </p:nvGrpSpPr>
+      <p:grpSpPr>
+        <a:xfrm>
+          <a:off x="0" y="0"/>
+          <a:ext cx="0" cy="0"/>
+          <a:chOff x="0" y="0"/>
+          <a:chExt cx="0" cy="0"/>
+        </a:xfrm>
+      </p:grpSpPr>
+      <p:sp>
+        <p:nvSpPr>
+          <p:cNvPr id="9" name="Content Placeholder 8">
+            <a:extLst>
+              <a:ext uri="{FF2B5EF4-FFF2-40B4-BE49-F238E27FC236}">
+                <a16:creationId xmlns:a16="http://schemas.microsoft.com/office/drawing/2014/main" id="{71BEC647-63FB-7697-132F-47402DD5471B}"/>
+              </a:ext>
+            </a:extLst>
+          </p:cNvPr>
+          <p:cNvSpPr>
+            <a:spLocks noGrp="1"/>
+          </p:cNvSpPr>
+          <p:nvPr>
+            <p:ph idx="1"/>
+          </p:nvPr>
+        </p:nvSpPr>
+        <p:spPr>
+          <a:xfrm>
+            <a:off x="451184" y="1339034"/>
+            <a:ext cx="7886700" cy="3036317"/>
+          </a:xfrm>
+        </p:spPr>
+        <p:txBody>
+          <a:bodyPr>
+            <a:noAutofit/>
+          </a:bodyPr>
+          <a:lstStyle/>
           <a:p>
             <a:pPr marL="0" lvl="0" indent="0" algn="l" rtl="0">
               <a:spcBef>
@@ -14836,6 +15268,93 @@
             </a:pPr>
             <a:r>
               <a:rPr lang="en-US" sz="2000" dirty="0"/>
+              <a:t>5. M. Last Name et al., "Designing Asynchronous FIFO," [Online]. Available: </a:t>
+            </a:r>
+            <a:r>
+              <a:rPr lang="en-US" sz="2000" u="sng" dirty="0">
+                <a:solidFill>
+                  <a:schemeClr val="hlink"/>
+                </a:solidFill>
+                <a:hlinkClick r:id="rId3"/>
+              </a:rPr>
+              <a:t>https://d1wqtxts1xzle7.cloudfront.net/56108360/EC109-libre.pdf</a:t>
+            </a:r>
+            <a:r>
+              <a:rPr lang="en-US" sz="2000" dirty="0"/>
+              <a:t>.</a:t>
+            </a:r>
+            <a:endParaRPr lang="en-US" sz="1400" dirty="0"/>
+          </a:p>
+          <a:p>
+            <a:pPr marL="0" lvl="0" indent="0" algn="l" rtl="0">
+              <a:spcBef>
+                <a:spcPts val="1000"/>
+              </a:spcBef>
+              <a:spcAft>
+                <a:spcPts val="0"/>
+              </a:spcAft>
+              <a:buSzPts val="1280"/>
+              <a:buNone/>
+            </a:pPr>
+            <a:r>
+              <a:rPr lang="en-US" sz="2000" dirty="0"/>
+              <a:t>6. A. Author et al., "Title of the Paper," in Proceedings of the Conference, 2011, pp. 789-012. [Online]. Available: </a:t>
+            </a:r>
+            <a:r>
+              <a:rPr lang="en-US" sz="2000" u="sng" dirty="0">
+                <a:solidFill>
+                  <a:schemeClr val="hlink"/>
+                </a:solidFill>
+                <a:hlinkClick r:id="rId4"/>
+              </a:rPr>
+              <a:t>https://ieeexplore.ieee.org/stamp/stamp.jsp?arnumber=6041338 </a:t>
+            </a:r>
+            <a:endParaRPr lang="en-US" sz="2000" dirty="0"/>
+          </a:p>
+          <a:p>
+            <a:pPr marL="0" lvl="0" indent="0" algn="l" rtl="0">
+              <a:spcBef>
+                <a:spcPts val="1000"/>
+              </a:spcBef>
+              <a:spcAft>
+                <a:spcPts val="0"/>
+              </a:spcAft>
+              <a:buSzPts val="1280"/>
+              <a:buNone/>
+            </a:pPr>
+            <a:r>
+              <a:rPr lang="en-US" sz="2000" dirty="0"/>
+              <a:t>7. </a:t>
+            </a:r>
+            <a:r>
+              <a:rPr lang="en-US" sz="2000" dirty="0" err="1"/>
+              <a:t>Aldec</a:t>
+            </a:r>
+            <a:r>
+              <a:rPr lang="en-US" sz="2000" dirty="0"/>
+              <a:t> website </a:t>
+            </a:r>
+            <a:r>
+              <a:rPr lang="en-US" sz="2000" dirty="0">
+                <a:hlinkClick r:id="rId5"/>
+              </a:rPr>
+              <a:t>https://www.aldec.com/en/company/blog/168--verification-effectiveness-with-riviera-pro-systemverilog-randomized-layered-testbench</a:t>
+            </a:r>
+            <a:endParaRPr lang="en-US" sz="2000" dirty="0"/>
+          </a:p>
+          <a:p>
+            <a:pPr marL="0" lvl="0" indent="0" algn="l" rtl="0">
+              <a:spcBef>
+                <a:spcPts val="1000"/>
+              </a:spcBef>
+              <a:spcAft>
+                <a:spcPts val="0"/>
+              </a:spcAft>
+              <a:buSzPts val="1280"/>
+              <a:buNone/>
+            </a:pPr>
+            <a:r>
+              <a:rPr lang="en-US" sz="2000" dirty="0"/>
               <a:t>8. [1] Chip Verify. [Online]. Available: </a:t>
             </a:r>
             <a:r>
@@ -14970,7 +15489,7 @@
           <a:p>
             <a:fld id="{3AB4F8F5-7E28-4CCD-B37C-16288F737BD7}" type="slidenum">
               <a:rPr lang="en-US" smtClean="0"/>
-              <a:t>27</a:t>
+              <a:t>28</a:t>
             </a:fld>
             <a:endParaRPr lang="en-US"/>
           </a:p>
